--- a/Assets/Instantiate & Destroy/PPT Data/Instantiate & Destroy Example.pptx
+++ b/Assets/Instantiate & Destroy/PPT Data/Instantiate & Destroy Example.pptx
@@ -2,7 +2,7 @@
 <file path=ppt/presentation.xml><?xml version="1.0" encoding="utf-8"?>
 <p:presentation xmlns:a="http://schemas.openxmlformats.org/drawingml/2006/main" xmlns:r="http://schemas.openxmlformats.org/officeDocument/2006/relationships" xmlns:p="http://schemas.openxmlformats.org/presentationml/2006/main" xmlns:p14="http://schemas.microsoft.com/office/powerpoint/2010/main" saveSubsetFonts="1" firstSlideNum="0">
   <p:sldMasterIdLst>
-    <p:sldMasterId id="2147485668" r:id="rId12"/>
+    <p:sldMasterId id="2147485712" r:id="rId12"/>
   </p:sldMasterIdLst>
   <p:notesMasterIdLst>
     <p:notesMasterId r:id="rId14"/>
@@ -16,6 +16,11 @@
     <p:sldId id="289" r:id="rId21"/>
     <p:sldId id="286" r:id="rId22"/>
     <p:sldId id="290" r:id="rId23"/>
+    <p:sldId id="291" r:id="rId24"/>
+    <p:sldId id="292" r:id="rId25"/>
+    <p:sldId id="293" r:id="rId26"/>
+    <p:sldId id="294" r:id="rId27"/>
+    <p:sldId id="295" r:id="rId28"/>
   </p:sldIdLst>
   <p:sldSz cx="12192000" cy="6858000"/>
   <p:notesSz cx="6858000" cy="9144000"/>
@@ -5920,6 +5925,2635 @@
 </p:sld>
 </file>
 
+<file path=ppt/slides/slide10.xml><?xml version="1.0" encoding="utf-8"?>
+<p:sld xmlns:a="http://schemas.openxmlformats.org/drawingml/2006/main" xmlns:r="http://schemas.openxmlformats.org/officeDocument/2006/relationships" xmlns:p="http://schemas.openxmlformats.org/presentationml/2006/main">
+  <p:cSld>
+    <p:spTree>
+      <p:nvGrpSpPr>
+        <p:cNvPr id="1" name=""/>
+        <p:cNvGrpSpPr/>
+        <p:nvPr/>
+      </p:nvGrpSpPr>
+      <p:grpSpPr>
+        <a:xfrm>
+          <a:off x="0" y="0"/>
+          <a:ext cx="0" cy="0"/>
+          <a:chOff x="0" y="0"/>
+          <a:chExt cx="0" cy="0"/>
+        </a:xfrm>
+      </p:grpSpPr>
+      <p:sp>
+        <p:nvSpPr>
+          <p:cNvPr id="3" name="Rect 0"/>
+          <p:cNvSpPr txBox="1">
+            <a:spLocks/>
+          </p:cNvSpPr>
+          <p:nvPr/>
+        </p:nvSpPr>
+        <p:spPr>
+          <a:xfrm rot="0">
+            <a:off x="4340860" y="447040"/>
+            <a:ext cx="3516630" cy="478155"/>
+          </a:xfrm>
+          <a:prstGeom prst="rect"/>
+          <a:noFill/>
+          <a:ln w="0">
+            <a:noFill/>
+            <a:prstDash/>
+          </a:ln>
+        </p:spPr>
+        <p:txBody>
+          <a:bodyPr wrap="square" lIns="89535" tIns="46355" rIns="89535" bIns="46355" numCol="1" vert="horz" anchor="t">
+            <a:spAutoFit/>
+          </a:bodyPr>
+          <a:lstStyle/>
+          <a:p>
+            <a:pPr marL="0" indent="0" rtl="0" algn="ctr" defTabSz="914400" eaLnBrk="1" latinLnBrk="0" hangingPunct="1">
+              <a:buFontTx/>
+              <a:buNone/>
+            </a:pPr>
+            <a:r>
+              <a:rPr lang="ko-KR" sz="2500" b="1">
+                <a:solidFill>
+                  <a:schemeClr val="tx1"/>
+                </a:solidFill>
+                <a:latin typeface="나눔바른고딕" charset="0"/>
+                <a:ea typeface="나눔바른고딕" charset="0"/>
+              </a:rPr>
+              <a:t>열</a:t>
+            </a:r>
+            <a:r>
+              <a:rPr lang="ko-KR" sz="2500" b="1">
+                <a:solidFill>
+                  <a:schemeClr val="tx1"/>
+                </a:solidFill>
+                <a:latin typeface="나눔바른고딕" charset="0"/>
+                <a:ea typeface="나눔바른고딕" charset="0"/>
+              </a:rPr>
+              <a:t> 번째 튜토리얼</a:t>
+            </a:r>
+            <a:endParaRPr lang="ko-KR" altLang="en-US" sz="2500" b="1">
+              <a:solidFill>
+                <a:schemeClr val="tx1"/>
+              </a:solidFill>
+              <a:latin typeface="나눔바른고딕" charset="0"/>
+              <a:ea typeface="나눔바른고딕" charset="0"/>
+            </a:endParaRPr>
+          </a:p>
+        </p:txBody>
+      </p:sp>
+      <p:sp>
+        <p:nvSpPr>
+          <p:cNvPr id="63" name="Rect 0"/>
+          <p:cNvSpPr txBox="1">
+            <a:spLocks/>
+          </p:cNvSpPr>
+          <p:nvPr/>
+        </p:nvSpPr>
+        <p:spPr>
+          <a:xfrm rot="0">
+            <a:off x="6814185" y="4205605"/>
+            <a:ext cx="4133850" cy="2061845"/>
+          </a:xfrm>
+          <a:prstGeom prst="rect"/>
+          <a:noFill/>
+          <a:ln w="0">
+            <a:noFill/>
+            <a:prstDash/>
+          </a:ln>
+        </p:spPr>
+        <p:txBody>
+          <a:bodyPr wrap="square" lIns="89535" tIns="46355" rIns="89535" bIns="46355" numCol="1" vert="horz" anchor="t">
+            <a:spAutoFit/>
+          </a:bodyPr>
+          <a:lstStyle/>
+          <a:p>
+            <a:pPr marL="0" indent="0" rtl="0" algn="l" defTabSz="914400" eaLnBrk="1" latinLnBrk="0" hangingPunct="1">
+              <a:buFontTx/>
+              <a:buNone/>
+            </a:pPr>
+            <a:r>
+              <a:rPr sz="2000" b="1">
+                <a:solidFill>
+                  <a:srgbClr val="0611F2"/>
+                </a:solidFill>
+                <a:latin typeface="맑은 고딕" charset="0"/>
+                <a:ea typeface="맑은 고딕" charset="0"/>
+              </a:rPr>
+              <a:t>2</a:t>
+            </a:r>
+            <a:r>
+              <a:rPr sz="2000" b="1">
+                <a:solidFill>
+                  <a:srgbClr val="0611F2"/>
+                </a:solidFill>
+                <a:latin typeface="맑은 고딕" charset="0"/>
+                <a:ea typeface="맑은 고딕" charset="0"/>
+              </a:rPr>
+              <a:t>4</a:t>
+            </a:r>
+            <a:r>
+              <a:rPr sz="2000" b="1">
+                <a:solidFill>
+                  <a:srgbClr val="0611F2"/>
+                </a:solidFill>
+                <a:latin typeface="맑은 고딕" charset="0"/>
+                <a:ea typeface="맑은 고딕" charset="0"/>
+              </a:rPr>
+              <a:t>. </a:t>
+            </a:r>
+            <a:r>
+              <a:rPr sz="1800">
+                <a:latin typeface="맑은 고딕" charset="0"/>
+                <a:ea typeface="맑은 고딕" charset="0"/>
+              </a:rPr>
+              <a:t>그</a:t>
+            </a:r>
+            <a:r>
+              <a:rPr sz="1800">
+                <a:latin typeface="맑은 고딕" charset="0"/>
+                <a:ea typeface="맑은 고딕" charset="0"/>
+              </a:rPr>
+              <a:t>다음으로</a:t>
+            </a:r>
+            <a:r>
+              <a:rPr sz="1800">
+                <a:latin typeface="맑은 고딕" charset="0"/>
+                <a:ea typeface="맑은 고딕" charset="0"/>
+              </a:rPr>
+              <a:t> Animation 파일을 저장하기 위해 Animation 폴더를 지정합니다.</a:t>
+            </a:r>
+            <a:endParaRPr lang="ko-KR" altLang="en-US" sz="1800">
+              <a:latin typeface="맑은 고딕" charset="0"/>
+              <a:ea typeface="맑은 고딕" charset="0"/>
+            </a:endParaRPr>
+          </a:p>
+          <a:p>
+            <a:pPr marL="0" indent="0" rtl="0" algn="l" defTabSz="914400" eaLnBrk="1" latinLnBrk="0" hangingPunct="1">
+              <a:buFontTx/>
+              <a:buNone/>
+            </a:pPr>
+            <a:endParaRPr lang="ko-KR" altLang="en-US" sz="1800">
+              <a:latin typeface="맑은 고딕" charset="0"/>
+              <a:ea typeface="맑은 고딕" charset="0"/>
+            </a:endParaRPr>
+          </a:p>
+          <a:p>
+            <a:pPr marL="0" indent="0" rtl="0" algn="l" defTabSz="914400" eaLnBrk="1" latinLnBrk="0" hangingPunct="1">
+              <a:buFontTx/>
+              <a:buNone/>
+            </a:pPr>
+            <a:r>
+              <a:rPr sz="1800">
+                <a:latin typeface="맑은 고딕" charset="0"/>
+                <a:ea typeface="맑은 고딕" charset="0"/>
+              </a:rPr>
+              <a:t>그</a:t>
+            </a:r>
+            <a:r>
+              <a:rPr sz="1800">
+                <a:latin typeface="맑은 고딕" charset="0"/>
+                <a:ea typeface="맑은 고딕" charset="0"/>
+              </a:rPr>
+              <a:t>러고 </a:t>
+            </a:r>
+            <a:r>
+              <a:rPr sz="1800">
+                <a:latin typeface="맑은 고딕" charset="0"/>
+                <a:ea typeface="맑은 고딕" charset="0"/>
+              </a:rPr>
+              <a:t>나서</a:t>
+            </a:r>
+            <a:r>
+              <a:rPr sz="1800">
+                <a:latin typeface="맑은 고딕" charset="0"/>
+                <a:ea typeface="맑은 고딕" charset="0"/>
+              </a:rPr>
+              <a:t> </a:t>
+            </a:r>
+            <a:r>
+              <a:rPr lang="ko-KR" sz="1800">
+                <a:latin typeface="맑은 고딕" charset="0"/>
+                <a:ea typeface="맑은 고딕" charset="0"/>
+              </a:rPr>
+              <a:t>I</a:t>
+            </a:r>
+            <a:r>
+              <a:rPr lang="ko-KR" sz="1800">
+                <a:latin typeface="맑은 고딕" charset="0"/>
+                <a:ea typeface="맑은 고딕" charset="0"/>
+              </a:rPr>
+              <a:t>dle</a:t>
+            </a:r>
+            <a:r>
+              <a:rPr sz="1800">
+                <a:latin typeface="맑은 고딕" charset="0"/>
+                <a:ea typeface="맑은 고딕" charset="0"/>
+              </a:rPr>
+              <a:t>.anim이라는 이름으로 정의</a:t>
+            </a:r>
+            <a:r>
+              <a:rPr lang="ko-KR" sz="1800">
+                <a:latin typeface="맑은 고딕" charset="0"/>
+                <a:ea typeface="맑은 고딕" charset="0"/>
+              </a:rPr>
+              <a:t>한 </a:t>
+            </a:r>
+            <a:r>
+              <a:rPr lang="ko-KR" sz="1800">
+                <a:latin typeface="맑은 고딕" charset="0"/>
+                <a:ea typeface="맑은 고딕" charset="0"/>
+              </a:rPr>
+              <a:t>다음</a:t>
+            </a:r>
+            <a:r>
+              <a:rPr sz="1800">
+                <a:latin typeface="맑은 고딕" charset="0"/>
+                <a:ea typeface="맑은 고딕" charset="0"/>
+              </a:rPr>
+              <a:t> 애니메이션 파일을 </a:t>
+            </a:r>
+            <a:r>
+              <a:rPr sz="1800">
+                <a:latin typeface="맑은 고딕" charset="0"/>
+                <a:ea typeface="맑은 고딕" charset="0"/>
+              </a:rPr>
+              <a:t>생성합니다.</a:t>
+            </a:r>
+            <a:endParaRPr lang="ko-KR" altLang="en-US" sz="1800">
+              <a:latin typeface="맑은 고딕" charset="0"/>
+              <a:ea typeface="맑은 고딕" charset="0"/>
+            </a:endParaRPr>
+          </a:p>
+        </p:txBody>
+      </p:sp>
+      <p:pic>
+        <p:nvPicPr>
+          <p:cNvPr id="70" name="그림 23" descr="C:/Users/nwond/AppData/Roaming/PolarisOffice/ETemp/28292_18516504/fImage558882076500.png"/>
+          <p:cNvPicPr>
+            <a:picLocks noChangeAspect="1"/>
+          </p:cNvPicPr>
+          <p:nvPr/>
+        </p:nvPicPr>
+        <p:blipFill rotWithShape="1">
+          <a:blip r:embed="rId2" cstate="print">
+            <a:extLst>
+              <a:ext uri="{28A0092B-C50C-407E-A947-70E740481C1C}">
+                <a14:useLocalDpi xmlns:a14="http://schemas.microsoft.com/office/drawing/2010/main" val="0"/>
+              </a:ext>
+            </a:extLst>
+          </a:blip>
+          <a:stretch>
+            <a:fillRect/>
+          </a:stretch>
+        </p:blipFill>
+        <p:spPr>
+          <a:xfrm rot="0">
+            <a:off x="1245870" y="1440180"/>
+            <a:ext cx="4129405" cy="1378585"/>
+          </a:xfrm>
+          <a:prstGeom prst="roundRect"/>
+          <a:solidFill>
+            <a:srgbClr val="EDEDED"/>
+          </a:solidFill>
+        </p:spPr>
+      </p:pic>
+      <p:sp>
+        <p:nvSpPr>
+          <p:cNvPr id="71" name="텍스트 상자 26"/>
+          <p:cNvSpPr txBox="1">
+            <a:spLocks/>
+          </p:cNvSpPr>
+          <p:nvPr/>
+        </p:nvSpPr>
+        <p:spPr>
+          <a:xfrm rot="0">
+            <a:off x="1245235" y="2809875"/>
+            <a:ext cx="4135755" cy="954405"/>
+          </a:xfrm>
+          <a:prstGeom prst="rect"/>
+          <a:noFill/>
+          <a:ln w="0">
+            <a:noFill/>
+            <a:prstDash/>
+          </a:ln>
+        </p:spPr>
+        <p:txBody>
+          <a:bodyPr wrap="square" lIns="89535" tIns="46355" rIns="89535" bIns="46355" numCol="1" vert="horz" anchor="t">
+            <a:spAutoFit/>
+          </a:bodyPr>
+          <a:lstStyle/>
+          <a:p>
+            <a:pPr marL="0" indent="0" rtl="0" algn="l" defTabSz="914400" eaLnBrk="1" latinLnBrk="0" hangingPunct="1">
+              <a:buFontTx/>
+              <a:buNone/>
+            </a:pPr>
+            <a:r>
+              <a:rPr sz="2000" b="1">
+                <a:solidFill>
+                  <a:srgbClr val="0611F2"/>
+                </a:solidFill>
+                <a:latin typeface="맑은 고딕" charset="0"/>
+                <a:ea typeface="맑은 고딕" charset="0"/>
+              </a:rPr>
+              <a:t>2</a:t>
+            </a:r>
+            <a:r>
+              <a:rPr lang="ko-KR" sz="2000" b="1">
+                <a:solidFill>
+                  <a:srgbClr val="0611F2"/>
+                </a:solidFill>
+                <a:latin typeface="맑은 고딕" charset="0"/>
+                <a:ea typeface="맑은 고딕" charset="0"/>
+              </a:rPr>
+              <a:t>2</a:t>
+            </a:r>
+            <a:r>
+              <a:rPr sz="2000" b="1">
+                <a:solidFill>
+                  <a:srgbClr val="0611F2"/>
+                </a:solidFill>
+                <a:latin typeface="맑은 고딕" charset="0"/>
+                <a:ea typeface="맑은 고딕" charset="0"/>
+              </a:rPr>
+              <a:t>. </a:t>
+            </a:r>
+            <a:r>
+              <a:rPr lang="ko-KR" sz="1800">
+                <a:latin typeface="맑은 고딕" charset="0"/>
+                <a:ea typeface="맑은 고딕" charset="0"/>
+              </a:rPr>
+              <a:t>그</a:t>
+            </a:r>
+            <a:r>
+              <a:rPr lang="ko-KR" sz="1800">
+                <a:latin typeface="맑은 고딕" charset="0"/>
+                <a:ea typeface="맑은 고딕" charset="0"/>
+              </a:rPr>
+              <a:t>리고 </a:t>
+            </a:r>
+            <a:r>
+              <a:rPr lang="ko-KR" sz="1800">
+                <a:latin typeface="맑은 고딕" charset="0"/>
+                <a:ea typeface="맑은 고딕" charset="0"/>
+              </a:rPr>
+              <a:t>C</a:t>
+            </a:r>
+            <a:r>
+              <a:rPr lang="ko-KR" sz="1800">
+                <a:latin typeface="맑은 고딕" charset="0"/>
+                <a:ea typeface="맑은 고딕" charset="0"/>
+              </a:rPr>
+              <a:t>r</a:t>
+            </a:r>
+            <a:r>
+              <a:rPr lang="ko-KR" sz="1800">
+                <a:latin typeface="맑은 고딕" charset="0"/>
+                <a:ea typeface="맑은 고딕" charset="0"/>
+              </a:rPr>
+              <a:t>eateManager </a:t>
+            </a:r>
+            <a:r>
+              <a:rPr lang="ko-KR" sz="1800">
+                <a:latin typeface="맑은 고딕" charset="0"/>
+                <a:ea typeface="맑은 고딕" charset="0"/>
+              </a:rPr>
+              <a:t>스크립트에서 </a:t>
+            </a:r>
+            <a:r>
+              <a:rPr lang="ko-KR" sz="1800">
+                <a:latin typeface="맑은 고딕" charset="0"/>
+                <a:ea typeface="맑은 고딕" charset="0"/>
+              </a:rPr>
+              <a:t>GameObject 변수와 Vector</a:t>
+            </a:r>
+            <a:r>
+              <a:rPr lang="ko-KR" sz="1800">
+                <a:latin typeface="맑은 고딕" charset="0"/>
+                <a:ea typeface="맑은 고딕" charset="0"/>
+              </a:rPr>
+              <a:t>3</a:t>
+            </a:r>
+            <a:r>
+              <a:rPr lang="ko-KR" sz="1800">
+                <a:latin typeface="맑은 고딕" charset="0"/>
+                <a:ea typeface="맑은 고딕" charset="0"/>
+              </a:rPr>
+              <a:t> </a:t>
+            </a:r>
+            <a:r>
+              <a:rPr lang="ko-KR" sz="1800">
+                <a:latin typeface="맑은 고딕" charset="0"/>
+                <a:ea typeface="맑은 고딕" charset="0"/>
+              </a:rPr>
+              <a:t>배열을 </a:t>
+            </a:r>
+            <a:r>
+              <a:rPr lang="ko-KR" sz="1800">
+                <a:latin typeface="맑은 고딕" charset="0"/>
+                <a:ea typeface="맑은 고딕" charset="0"/>
+              </a:rPr>
+              <a:t>선언합니다.</a:t>
+            </a:r>
+            <a:endParaRPr lang="ko-KR" altLang="en-US" sz="1800">
+              <a:latin typeface="맑은 고딕" charset="0"/>
+              <a:ea typeface="맑은 고딕" charset="0"/>
+            </a:endParaRPr>
+          </a:p>
+        </p:txBody>
+      </p:sp>
+      <p:sp>
+        <p:nvSpPr>
+          <p:cNvPr id="72" name="텍스트 상자 48"/>
+          <p:cNvSpPr txBox="1">
+            <a:spLocks/>
+          </p:cNvSpPr>
+          <p:nvPr/>
+        </p:nvSpPr>
+        <p:spPr>
+          <a:xfrm rot="0">
+            <a:off x="1241425" y="5589270"/>
+            <a:ext cx="4133850" cy="677545"/>
+          </a:xfrm>
+          <a:prstGeom prst="rect"/>
+          <a:noFill/>
+          <a:ln w="0">
+            <a:noFill/>
+            <a:prstDash/>
+          </a:ln>
+        </p:spPr>
+        <p:txBody>
+          <a:bodyPr wrap="square" lIns="89535" tIns="46355" rIns="89535" bIns="46355" numCol="1" vert="horz" anchor="t">
+            <a:spAutoFit/>
+          </a:bodyPr>
+          <a:lstStyle/>
+          <a:p>
+            <a:pPr marL="0" indent="0" rtl="0" algn="l" defTabSz="914400" eaLnBrk="1" latinLnBrk="0" hangingPunct="1">
+              <a:buFontTx/>
+              <a:buNone/>
+            </a:pPr>
+            <a:r>
+              <a:rPr sz="2000" b="1">
+                <a:solidFill>
+                  <a:srgbClr val="0611F2"/>
+                </a:solidFill>
+                <a:latin typeface="맑은 고딕" charset="0"/>
+                <a:ea typeface="맑은 고딕" charset="0"/>
+              </a:rPr>
+              <a:t>2</a:t>
+            </a:r>
+            <a:r>
+              <a:rPr lang="ko-KR" sz="2000" b="1">
+                <a:solidFill>
+                  <a:srgbClr val="0611F2"/>
+                </a:solidFill>
+                <a:latin typeface="맑은 고딕" charset="0"/>
+                <a:ea typeface="맑은 고딕" charset="0"/>
+              </a:rPr>
+              <a:t>3</a:t>
+            </a:r>
+            <a:r>
+              <a:rPr sz="2000" b="1">
+                <a:solidFill>
+                  <a:srgbClr val="0611F2"/>
+                </a:solidFill>
+                <a:latin typeface="맑은 고딕" charset="0"/>
+                <a:ea typeface="맑은 고딕" charset="0"/>
+              </a:rPr>
+              <a:t>. </a:t>
+            </a:r>
+            <a:r>
+              <a:rPr sz="1800">
+                <a:latin typeface="맑은 고딕" charset="0"/>
+                <a:ea typeface="맑은 고딕" charset="0"/>
+              </a:rPr>
+              <a:t>그</a:t>
+            </a:r>
+            <a:r>
+              <a:rPr lang="ko-KR" sz="1800">
+                <a:latin typeface="맑은 고딕" charset="0"/>
+                <a:ea typeface="맑은 고딕" charset="0"/>
+              </a:rPr>
+              <a:t>런 </a:t>
+            </a:r>
+            <a:r>
+              <a:rPr lang="ko-KR" sz="1800">
+                <a:latin typeface="맑은 고딕" charset="0"/>
+                <a:ea typeface="맑은 고딕" charset="0"/>
+              </a:rPr>
+              <a:t>다음</a:t>
+            </a:r>
+            <a:r>
+              <a:rPr sz="1800">
+                <a:latin typeface="맑은 고딕" charset="0"/>
+                <a:ea typeface="맑은 고딕" charset="0"/>
+              </a:rPr>
+              <a:t> </a:t>
+            </a:r>
+            <a:r>
+              <a:rPr lang="ko-KR" sz="1800">
+                <a:latin typeface="맑은 고딕" charset="0"/>
+                <a:ea typeface="맑은 고딕" charset="0"/>
+              </a:rPr>
+              <a:t>A</a:t>
+            </a:r>
+            <a:r>
+              <a:rPr lang="ko-KR" sz="1800">
+                <a:latin typeface="맑은 고딕" charset="0"/>
+                <a:ea typeface="맑은 고딕" charset="0"/>
+              </a:rPr>
+              <a:t>nimation Clip을 생성하기 위해 Create</a:t>
+            </a:r>
+            <a:r>
+              <a:rPr lang="ko-KR" sz="1800">
+                <a:latin typeface="맑은 고딕" charset="0"/>
+                <a:ea typeface="맑은 고딕" charset="0"/>
+              </a:rPr>
+              <a:t>를 </a:t>
+            </a:r>
+            <a:r>
+              <a:rPr lang="ko-KR" sz="1800">
+                <a:latin typeface="맑은 고딕" charset="0"/>
+                <a:ea typeface="맑은 고딕" charset="0"/>
+              </a:rPr>
+              <a:t>선택합니다.</a:t>
+            </a:r>
+            <a:endParaRPr lang="ko-KR" altLang="en-US" sz="1800">
+              <a:latin typeface="맑은 고딕" charset="0"/>
+              <a:ea typeface="맑은 고딕" charset="0"/>
+            </a:endParaRPr>
+          </a:p>
+        </p:txBody>
+      </p:sp>
+      <p:pic>
+        <p:nvPicPr>
+          <p:cNvPr id="73" name="그림 49" descr="C:/Users/nwond/AppData/Roaming/PolarisOffice/ETemp/28292_18516504/fImage169182179169.png"/>
+          <p:cNvPicPr>
+            <a:picLocks noChangeAspect="1"/>
+          </p:cNvPicPr>
+          <p:nvPr/>
+        </p:nvPicPr>
+        <p:blipFill rotWithShape="1">
+          <a:blip r:embed="rId3" cstate="print">
+            <a:extLst>
+              <a:ext uri="{28A0092B-C50C-407E-A947-70E740481C1C}">
+                <a14:useLocalDpi xmlns:a14="http://schemas.microsoft.com/office/drawing/2010/main" val="0"/>
+              </a:ext>
+            </a:extLst>
+          </a:blip>
+          <a:stretch>
+            <a:fillRect/>
+          </a:stretch>
+        </p:blipFill>
+        <p:spPr>
+          <a:xfrm rot="0">
+            <a:off x="1240790" y="3767455"/>
+            <a:ext cx="4140200" cy="1837690"/>
+          </a:xfrm>
+          <a:prstGeom prst="roundRect"/>
+          <a:solidFill>
+            <a:srgbClr val="EDEDED"/>
+          </a:solidFill>
+        </p:spPr>
+      </p:pic>
+      <p:pic>
+        <p:nvPicPr>
+          <p:cNvPr id="74" name="그림 50" descr="C:/Users/nwond/AppData/Roaming/PolarisOffice/ETemp/28292_18516504/fImage289982185724.png"/>
+          <p:cNvPicPr>
+            <a:picLocks noChangeAspect="1"/>
+          </p:cNvPicPr>
+          <p:nvPr/>
+        </p:nvPicPr>
+        <p:blipFill rotWithShape="1">
+          <a:blip r:embed="rId4" cstate="print">
+            <a:extLst>
+              <a:ext uri="{28A0092B-C50C-407E-A947-70E740481C1C}">
+                <a14:useLocalDpi xmlns:a14="http://schemas.microsoft.com/office/drawing/2010/main" val="0"/>
+              </a:ext>
+            </a:extLst>
+          </a:blip>
+          <a:stretch>
+            <a:fillRect/>
+          </a:stretch>
+        </p:blipFill>
+        <p:spPr>
+          <a:xfrm rot="0">
+            <a:off x="6820535" y="1433830"/>
+            <a:ext cx="4133850" cy="2725420"/>
+          </a:xfrm>
+          <a:prstGeom prst="roundRect"/>
+          <a:solidFill>
+            <a:srgbClr val="EDEDED"/>
+          </a:solidFill>
+        </p:spPr>
+      </p:pic>
+    </p:spTree>
+  </p:cSld>
+  <p:clrMapOvr>
+    <a:masterClrMapping/>
+  </p:clrMapOvr>
+  <mc:AlternateContent xmlns:mc="http://schemas.openxmlformats.org/markup-compatibility/2006">
+    <mc:Choice xmlns:p14="http://schemas.microsoft.com/office/powerpoint/2010/main" Requires="p14">
+      <p:transition spd="slow" p14:dur="1000"/>
+    </mc:Choice>
+    <mc:Fallback>
+      <p:transition spd="slow"/>
+    </mc:Fallback>
+  </mc:AlternateContent>
+  <p:timing>
+    <p:tnLst>
+      <p:par>
+        <p:cTn id="1" dur="indefinite" restart="never" nodeType="tmRoot"/>
+      </p:par>
+    </p:tnLst>
+  </p:timing>
+</p:sld>
+</file>
+
+<file path=ppt/slides/slide11.xml><?xml version="1.0" encoding="utf-8"?>
+<p:sld xmlns:a="http://schemas.openxmlformats.org/drawingml/2006/main" xmlns:r="http://schemas.openxmlformats.org/officeDocument/2006/relationships" xmlns:p="http://schemas.openxmlformats.org/presentationml/2006/main" xmlns:p14="http://schemas.microsoft.com/office/powerpoint/2010/main">
+  <p:cSld>
+    <p:spTree>
+      <p:nvGrpSpPr>
+        <p:cNvPr id="1" name=""/>
+        <p:cNvGrpSpPr/>
+        <p:nvPr/>
+      </p:nvGrpSpPr>
+      <p:grpSpPr>
+        <a:xfrm>
+          <a:off x="0" y="0"/>
+          <a:ext cx="0" cy="0"/>
+          <a:chOff x="0" y="0"/>
+          <a:chExt cx="0" cy="0"/>
+        </a:xfrm>
+      </p:grpSpPr>
+      <p:sp>
+        <p:nvSpPr>
+          <p:cNvPr id="3" name="Rect 0"/>
+          <p:cNvSpPr txBox="1">
+            <a:spLocks/>
+          </p:cNvSpPr>
+          <p:nvPr/>
+        </p:nvSpPr>
+        <p:spPr>
+          <a:xfrm rot="0">
+            <a:off x="4340860" y="447040"/>
+            <a:ext cx="3516630" cy="478155"/>
+          </a:xfrm>
+          <a:prstGeom prst="rect"/>
+          <a:noFill/>
+          <a:ln w="0">
+            <a:noFill/>
+            <a:prstDash/>
+          </a:ln>
+        </p:spPr>
+        <p:txBody>
+          <a:bodyPr wrap="square" lIns="89535" tIns="46355" rIns="89535" bIns="46355" numCol="1" vert="horz" anchor="t">
+            <a:spAutoFit/>
+          </a:bodyPr>
+          <a:lstStyle/>
+          <a:p>
+            <a:pPr marL="0" indent="0" rtl="0" algn="ctr" defTabSz="914400" eaLnBrk="1" latinLnBrk="0" hangingPunct="1">
+              <a:buFontTx/>
+              <a:buNone/>
+            </a:pPr>
+            <a:r>
+              <a:rPr lang="ko-KR" sz="2500" b="1">
+                <a:solidFill>
+                  <a:schemeClr val="tx1"/>
+                </a:solidFill>
+                <a:latin typeface="나눔바른고딕" charset="0"/>
+                <a:ea typeface="나눔바른고딕" charset="0"/>
+              </a:rPr>
+              <a:t>열한</a:t>
+            </a:r>
+            <a:r>
+              <a:rPr lang="ko-KR" sz="2500" b="1">
+                <a:solidFill>
+                  <a:schemeClr val="tx1"/>
+                </a:solidFill>
+                <a:latin typeface="나눔바른고딕" charset="0"/>
+                <a:ea typeface="나눔바른고딕" charset="0"/>
+              </a:rPr>
+              <a:t> 번째 튜토리얼</a:t>
+            </a:r>
+            <a:endParaRPr lang="ko-KR" altLang="en-US" sz="2500" b="1">
+              <a:solidFill>
+                <a:schemeClr val="tx1"/>
+              </a:solidFill>
+              <a:latin typeface="나눔바른고딕" charset="0"/>
+              <a:ea typeface="나눔바른고딕" charset="0"/>
+            </a:endParaRPr>
+          </a:p>
+        </p:txBody>
+      </p:sp>
+      <p:sp>
+        <p:nvSpPr>
+          <p:cNvPr id="63" name="Rect 0"/>
+          <p:cNvSpPr txBox="1">
+            <a:spLocks/>
+          </p:cNvSpPr>
+          <p:nvPr/>
+        </p:nvSpPr>
+        <p:spPr>
+          <a:xfrm rot="0">
+            <a:off x="6833235" y="5589905"/>
+            <a:ext cx="4116070" cy="677545"/>
+          </a:xfrm>
+          <a:prstGeom prst="rect"/>
+          <a:noFill/>
+          <a:ln w="0">
+            <a:noFill/>
+            <a:prstDash/>
+          </a:ln>
+        </p:spPr>
+        <p:txBody>
+          <a:bodyPr wrap="square" lIns="89535" tIns="46355" rIns="89535" bIns="46355" numCol="1" vert="horz" anchor="t">
+            <a:spAutoFit/>
+          </a:bodyPr>
+          <a:lstStyle/>
+          <a:p>
+            <a:pPr marL="0" indent="0" rtl="0" algn="l" defTabSz="914400" eaLnBrk="1" latinLnBrk="0" hangingPunct="1">
+              <a:buFontTx/>
+              <a:buNone/>
+            </a:pPr>
+            <a:r>
+              <a:rPr sz="2000" b="1">
+                <a:solidFill>
+                  <a:srgbClr val="0611F2"/>
+                </a:solidFill>
+                <a:latin typeface="맑은 고딕" charset="0"/>
+                <a:ea typeface="맑은 고딕" charset="0"/>
+              </a:rPr>
+              <a:t>2</a:t>
+            </a:r>
+            <a:r>
+              <a:rPr sz="2000" b="1">
+                <a:solidFill>
+                  <a:srgbClr val="0611F2"/>
+                </a:solidFill>
+                <a:latin typeface="맑은 고딕" charset="0"/>
+                <a:ea typeface="맑은 고딕" charset="0"/>
+              </a:rPr>
+              <a:t>7</a:t>
+            </a:r>
+            <a:r>
+              <a:rPr sz="2000" b="1">
+                <a:solidFill>
+                  <a:srgbClr val="0611F2"/>
+                </a:solidFill>
+                <a:latin typeface="맑은 고딕" charset="0"/>
+                <a:ea typeface="맑은 고딕" charset="0"/>
+              </a:rPr>
+              <a:t>. </a:t>
+            </a:r>
+            <a:r>
+              <a:rPr lang="ko-KR" sz="1800">
+                <a:latin typeface="맑은 고딕" charset="0"/>
+                <a:ea typeface="맑은 고딕" charset="0"/>
+              </a:rPr>
+              <a:t>그</a:t>
+            </a:r>
+            <a:r>
+              <a:rPr lang="ko-KR" sz="1800">
+                <a:latin typeface="맑은 고딕" charset="0"/>
+                <a:ea typeface="맑은 고딕" charset="0"/>
+              </a:rPr>
+              <a:t>다음으로</a:t>
+            </a:r>
+            <a:r>
+              <a:rPr lang="ko-KR" sz="1800">
+                <a:latin typeface="맑은 고딕" charset="0"/>
+                <a:ea typeface="맑은 고딕" charset="0"/>
+              </a:rPr>
+              <a:t> </a:t>
+            </a:r>
+            <a:r>
+              <a:rPr lang="ko-KR" sz="1800">
+                <a:latin typeface="맑은 고딕" charset="0"/>
+                <a:ea typeface="맑은 고딕" charset="0"/>
+              </a:rPr>
+              <a:t>0</a:t>
+            </a:r>
+            <a:r>
+              <a:rPr lang="ko-KR" sz="1800">
+                <a:latin typeface="맑은 고딕" charset="0"/>
+                <a:ea typeface="맑은 고딕" charset="0"/>
+              </a:rPr>
+              <a:t> : 25</a:t>
+            </a:r>
+            <a:r>
+              <a:rPr lang="ko-KR" sz="1800">
+                <a:latin typeface="맑은 고딕" charset="0"/>
+                <a:ea typeface="맑은 고딕" charset="0"/>
+              </a:rPr>
+              <a:t> </a:t>
+            </a:r>
+            <a:r>
+              <a:rPr lang="ko-KR" sz="1800">
+                <a:latin typeface="맑은 고딕" charset="0"/>
+                <a:ea typeface="맑은 고딕" charset="0"/>
+              </a:rPr>
+              <a:t>위치</a:t>
+            </a:r>
+            <a:r>
+              <a:rPr lang="ko-KR" sz="1800">
+                <a:latin typeface="맑은 고딕" charset="0"/>
+                <a:ea typeface="맑은 고딕" charset="0"/>
+              </a:rPr>
+              <a:t>에 z</a:t>
+            </a:r>
+            <a:r>
+              <a:rPr lang="ko-KR" sz="1800">
+                <a:latin typeface="맑은 고딕" charset="0"/>
+                <a:ea typeface="맑은 고딕" charset="0"/>
+              </a:rPr>
+              <a:t> 축을 -30</a:t>
+            </a:r>
+            <a:r>
+              <a:rPr lang="ko-KR" sz="1800">
+                <a:latin typeface="맑은 고딕" charset="0"/>
+                <a:ea typeface="맑은 고딕" charset="0"/>
+              </a:rPr>
+              <a:t>으로 </a:t>
+            </a:r>
+            <a:r>
+              <a:rPr lang="ko-KR" sz="1800">
+                <a:latin typeface="맑은 고딕" charset="0"/>
+                <a:ea typeface="맑은 고딕" charset="0"/>
+              </a:rPr>
+              <a:t>설정</a:t>
+            </a:r>
+            <a:r>
+              <a:rPr lang="ko-KR" sz="1800">
+                <a:latin typeface="맑은 고딕" charset="0"/>
+                <a:ea typeface="맑은 고딕" charset="0"/>
+              </a:rPr>
+              <a:t>합니다.</a:t>
+            </a:r>
+            <a:endParaRPr lang="ko-KR" altLang="en-US" sz="1800">
+              <a:latin typeface="맑은 고딕" charset="0"/>
+              <a:ea typeface="맑은 고딕" charset="0"/>
+            </a:endParaRPr>
+          </a:p>
+        </p:txBody>
+      </p:sp>
+      <p:sp>
+        <p:nvSpPr>
+          <p:cNvPr id="68" name="Rect 0"/>
+          <p:cNvSpPr txBox="1">
+            <a:spLocks/>
+          </p:cNvSpPr>
+          <p:nvPr/>
+        </p:nvSpPr>
+        <p:spPr>
+          <a:xfrm rot="0">
+            <a:off x="1251585" y="4207510"/>
+            <a:ext cx="4123690" cy="2061845"/>
+          </a:xfrm>
+          <a:prstGeom prst="rect"/>
+          <a:noFill/>
+          <a:ln w="0">
+            <a:noFill/>
+            <a:prstDash/>
+          </a:ln>
+        </p:spPr>
+        <p:txBody>
+          <a:bodyPr wrap="square" lIns="89535" tIns="46355" rIns="89535" bIns="46355" numCol="1" vert="horz" anchor="t">
+            <a:spAutoFit/>
+          </a:bodyPr>
+          <a:lstStyle/>
+          <a:p>
+            <a:pPr marL="0" indent="0" rtl="0" algn="l" defTabSz="914400" eaLnBrk="1" latinLnBrk="0" hangingPunct="1">
+              <a:buFontTx/>
+              <a:buNone/>
+            </a:pPr>
+            <a:r>
+              <a:rPr sz="2000" b="1">
+                <a:solidFill>
+                  <a:srgbClr val="0611F2"/>
+                </a:solidFill>
+                <a:latin typeface="맑은 고딕" charset="0"/>
+                <a:ea typeface="맑은 고딕" charset="0"/>
+              </a:rPr>
+              <a:t>2</a:t>
+            </a:r>
+            <a:r>
+              <a:rPr lang="ko-KR" sz="2000" b="1">
+                <a:solidFill>
+                  <a:srgbClr val="0611F2"/>
+                </a:solidFill>
+                <a:latin typeface="맑은 고딕" charset="0"/>
+                <a:ea typeface="맑은 고딕" charset="0"/>
+              </a:rPr>
+              <a:t>5</a:t>
+            </a:r>
+            <a:r>
+              <a:rPr sz="2000" b="1">
+                <a:solidFill>
+                  <a:srgbClr val="0611F2"/>
+                </a:solidFill>
+                <a:latin typeface="맑은 고딕" charset="0"/>
+                <a:ea typeface="맑은 고딕" charset="0"/>
+              </a:rPr>
+              <a:t>. </a:t>
+            </a:r>
+            <a:r>
+              <a:rPr lang="ko-KR" sz="1800">
+                <a:latin typeface="맑은 고딕" charset="0"/>
+                <a:ea typeface="맑은 고딕" charset="0"/>
+              </a:rPr>
+              <a:t>이제 Animation Clip에서 Add Property를 선택</a:t>
+            </a:r>
+            <a:r>
+              <a:rPr lang="ko-KR" sz="1800">
+                <a:latin typeface="맑은 고딕" charset="0"/>
+                <a:ea typeface="맑은 고딕" charset="0"/>
+              </a:rPr>
+              <a:t>한 </a:t>
+            </a:r>
+            <a:r>
+              <a:rPr lang="ko-KR" sz="1800">
+                <a:latin typeface="맑은 고딕" charset="0"/>
+                <a:ea typeface="맑은 고딕" charset="0"/>
+              </a:rPr>
+              <a:t>다음</a:t>
+            </a:r>
+            <a:r>
+              <a:rPr lang="ko-KR" sz="1800">
+                <a:latin typeface="맑은 고딕" charset="0"/>
+                <a:ea typeface="맑은 고딕" charset="0"/>
+              </a:rPr>
+              <a:t> Bone001 오브젝트를 </a:t>
+            </a:r>
+            <a:r>
+              <a:rPr lang="ko-KR" sz="1800">
+                <a:latin typeface="맑은 고딕" charset="0"/>
+                <a:ea typeface="맑은 고딕" charset="0"/>
+              </a:rPr>
+              <a:t>열어줍니다.</a:t>
+            </a:r>
+            <a:endParaRPr lang="ko-KR" altLang="en-US" sz="1800">
+              <a:latin typeface="맑은 고딕" charset="0"/>
+              <a:ea typeface="맑은 고딕" charset="0"/>
+            </a:endParaRPr>
+          </a:p>
+          <a:p>
+            <a:pPr marL="0" indent="0" rtl="0" algn="l" defTabSz="914400" eaLnBrk="1" latinLnBrk="0" hangingPunct="1">
+              <a:buFontTx/>
+              <a:buNone/>
+            </a:pPr>
+            <a:endParaRPr lang="ko-KR" altLang="en-US" sz="1800">
+              <a:latin typeface="맑은 고딕" charset="0"/>
+              <a:ea typeface="맑은 고딕" charset="0"/>
+            </a:endParaRPr>
+          </a:p>
+          <a:p>
+            <a:pPr marL="0" indent="0" rtl="0" algn="l" defTabSz="914400" eaLnBrk="1" latinLnBrk="0" hangingPunct="1">
+              <a:buFontTx/>
+              <a:buNone/>
+            </a:pPr>
+            <a:r>
+              <a:rPr lang="ko-KR" sz="1800">
+                <a:latin typeface="맑은 고딕" charset="0"/>
+                <a:ea typeface="맑은 고딕" charset="0"/>
+              </a:rPr>
+              <a:t>그리고</a:t>
+            </a:r>
+            <a:r>
+              <a:rPr lang="ko-KR" sz="1800">
+                <a:latin typeface="맑은 고딕" charset="0"/>
+                <a:ea typeface="맑은 고딕" charset="0"/>
+              </a:rPr>
+              <a:t> </a:t>
+            </a:r>
+            <a:r>
+              <a:rPr lang="ko-KR" sz="1800">
+                <a:latin typeface="맑은 고딕" charset="0"/>
+                <a:ea typeface="맑은 고딕" charset="0"/>
+              </a:rPr>
+              <a:t>Bone004 오브젝트</a:t>
+            </a:r>
+            <a:r>
+              <a:rPr lang="ko-KR" sz="1800">
+                <a:latin typeface="맑은 고딕" charset="0"/>
+                <a:ea typeface="맑은 고딕" charset="0"/>
+              </a:rPr>
+              <a:t>에 </a:t>
+            </a:r>
+            <a:r>
+              <a:rPr lang="ko-KR" sz="1800">
+                <a:latin typeface="맑은 고딕" charset="0"/>
+                <a:ea typeface="맑은 고딕" charset="0"/>
+              </a:rPr>
+              <a:t>있는</a:t>
+            </a:r>
+            <a:endParaRPr lang="ko-KR" altLang="en-US" sz="1800">
+              <a:latin typeface="맑은 고딕" charset="0"/>
+              <a:ea typeface="맑은 고딕" charset="0"/>
+            </a:endParaRPr>
+          </a:p>
+          <a:p>
+            <a:pPr marL="0" indent="0" rtl="0" algn="l" defTabSz="914400" eaLnBrk="1" latinLnBrk="0" hangingPunct="1">
+              <a:buFontTx/>
+              <a:buNone/>
+            </a:pPr>
+            <a:r>
+              <a:rPr lang="ko-KR" sz="1800">
+                <a:latin typeface="맑은 고딕" charset="0"/>
+                <a:ea typeface="맑은 고딕" charset="0"/>
+              </a:rPr>
+              <a:t>Transform</a:t>
+            </a:r>
+            <a:r>
+              <a:rPr lang="ko-KR" sz="1800">
+                <a:latin typeface="맑은 고딕" charset="0"/>
+                <a:ea typeface="맑은 고딕" charset="0"/>
+              </a:rPr>
+              <a:t> 컴포넌트를 </a:t>
+            </a:r>
+            <a:r>
+              <a:rPr lang="ko-KR" sz="1800">
+                <a:latin typeface="맑은 고딕" charset="0"/>
+                <a:ea typeface="맑은 고딕" charset="0"/>
+              </a:rPr>
+              <a:t>선택하고</a:t>
+            </a:r>
+            <a:r>
+              <a:rPr lang="ko-KR" sz="1800">
+                <a:latin typeface="맑은 고딕" charset="0"/>
+                <a:ea typeface="맑은 고딕" charset="0"/>
+              </a:rPr>
+              <a:t> Rotation 정보를 추가합니다.</a:t>
+            </a:r>
+            <a:endParaRPr lang="ko-KR" altLang="en-US" sz="1800">
+              <a:latin typeface="맑은 고딕" charset="0"/>
+              <a:ea typeface="맑은 고딕" charset="0"/>
+            </a:endParaRPr>
+          </a:p>
+        </p:txBody>
+      </p:sp>
+      <p:pic>
+        <p:nvPicPr>
+          <p:cNvPr id="71" name="그림 53" descr="C:/Users/nwond/AppData/Roaming/PolarisOffice/ETemp/9148_20056000/fImage314552191478.png"/>
+          <p:cNvPicPr>
+            <a:picLocks noChangeAspect="1"/>
+          </p:cNvPicPr>
+          <p:nvPr/>
+        </p:nvPicPr>
+        <p:blipFill rotWithShape="1">
+          <a:blip r:embed="rId3" cstate="hqprint">
+            <a:extLst>
+              <a:ext uri="{28A0092B-C50C-407E-A947-70E740481C1C}">
+                <a14:useLocalDpi xmlns:a14="http://schemas.microsoft.com/office/drawing/2010/main"/>
+              </a:ext>
+            </a:extLst>
+          </a:blip>
+          <a:stretch>
+            <a:fillRect/>
+          </a:stretch>
+        </p:blipFill>
+        <p:spPr>
+          <a:xfrm rot="0">
+            <a:off x="1247140" y="1439545"/>
+            <a:ext cx="4128770" cy="2744470"/>
+          </a:xfrm>
+          <a:prstGeom prst="roundRect"/>
+          <a:solidFill>
+            <a:srgbClr val="EDEDED"/>
+          </a:solidFill>
+        </p:spPr>
+      </p:pic>
+      <p:pic>
+        <p:nvPicPr>
+          <p:cNvPr id="72" name="그림 1" descr="C:/Users/nwond/AppData/Roaming/PolarisOffice/ETemp/9148_20056000/fImage2496012241.png"/>
+          <p:cNvPicPr>
+            <a:picLocks noChangeAspect="1"/>
+          </p:cNvPicPr>
+          <p:nvPr/>
+        </p:nvPicPr>
+        <p:blipFill rotWithShape="1">
+          <a:blip r:embed="rId4" cstate="print">
+            <a:extLst>
+              <a:ext uri="{28A0092B-C50C-407E-A947-70E740481C1C}">
+                <a14:useLocalDpi xmlns:a14="http://schemas.microsoft.com/office/drawing/2010/main" val="0"/>
+              </a:ext>
+            </a:extLst>
+          </a:blip>
+          <a:stretch>
+            <a:fillRect/>
+          </a:stretch>
+        </p:blipFill>
+        <p:spPr>
+          <a:xfrm rot="0">
+            <a:off x="6825615" y="1440180"/>
+            <a:ext cx="4128770" cy="1762760"/>
+          </a:xfrm>
+          <a:prstGeom prst="roundRect"/>
+          <a:solidFill>
+            <a:srgbClr val="EDEDED"/>
+          </a:solidFill>
+        </p:spPr>
+      </p:pic>
+      <p:sp>
+        <p:nvSpPr>
+          <p:cNvPr id="73" name="텍스트 상자 4"/>
+          <p:cNvSpPr txBox="1">
+            <a:spLocks/>
+          </p:cNvSpPr>
+          <p:nvPr/>
+        </p:nvSpPr>
+        <p:spPr>
+          <a:xfrm rot="0">
+            <a:off x="6830695" y="3217545"/>
+            <a:ext cx="4136390" cy="677545"/>
+          </a:xfrm>
+          <a:prstGeom prst="rect"/>
+          <a:noFill/>
+          <a:ln w="0">
+            <a:noFill/>
+            <a:prstDash/>
+          </a:ln>
+        </p:spPr>
+        <p:txBody>
+          <a:bodyPr wrap="square" lIns="89535" tIns="46355" rIns="89535" bIns="46355" numCol="1" vert="horz" anchor="t">
+            <a:spAutoFit/>
+          </a:bodyPr>
+          <a:lstStyle/>
+          <a:p>
+            <a:pPr marL="0" indent="0" rtl="0" algn="l" defTabSz="914400" eaLnBrk="1" latinLnBrk="0" hangingPunct="1">
+              <a:buFontTx/>
+              <a:buNone/>
+            </a:pPr>
+            <a:r>
+              <a:rPr sz="2000" b="1">
+                <a:solidFill>
+                  <a:srgbClr val="0611F2"/>
+                </a:solidFill>
+                <a:latin typeface="맑은 고딕" charset="0"/>
+                <a:ea typeface="맑은 고딕" charset="0"/>
+              </a:rPr>
+              <a:t>2</a:t>
+            </a:r>
+            <a:r>
+              <a:rPr sz="2000" b="1">
+                <a:solidFill>
+                  <a:srgbClr val="0611F2"/>
+                </a:solidFill>
+                <a:latin typeface="맑은 고딕" charset="0"/>
+                <a:ea typeface="맑은 고딕" charset="0"/>
+              </a:rPr>
+              <a:t>6</a:t>
+            </a:r>
+            <a:r>
+              <a:rPr sz="2000" b="1">
+                <a:solidFill>
+                  <a:srgbClr val="0611F2"/>
+                </a:solidFill>
+                <a:latin typeface="맑은 고딕" charset="0"/>
+                <a:ea typeface="맑은 고딕" charset="0"/>
+              </a:rPr>
+              <a:t>. </a:t>
+            </a:r>
+            <a:r>
+              <a:rPr lang="ko-KR" sz="1800">
+                <a:latin typeface="맑은 고딕" charset="0"/>
+                <a:ea typeface="맑은 고딕" charset="0"/>
+              </a:rPr>
+              <a:t>그</a:t>
+            </a:r>
+            <a:r>
+              <a:rPr lang="ko-KR" sz="1800">
+                <a:latin typeface="맑은 고딕" charset="0"/>
+                <a:ea typeface="맑은 고딕" charset="0"/>
+              </a:rPr>
+              <a:t>런 </a:t>
+            </a:r>
+            <a:r>
+              <a:rPr lang="ko-KR" sz="1800">
+                <a:latin typeface="맑은 고딕" charset="0"/>
+                <a:ea typeface="맑은 고딕" charset="0"/>
+              </a:rPr>
+              <a:t>다음</a:t>
+            </a:r>
+            <a:r>
+              <a:rPr lang="ko-KR" sz="1800">
+                <a:latin typeface="맑은 고딕" charset="0"/>
+                <a:ea typeface="맑은 고딕" charset="0"/>
+              </a:rPr>
+              <a:t> </a:t>
+            </a:r>
+            <a:r>
+              <a:rPr lang="ko-KR" sz="1800">
+                <a:latin typeface="맑은 고딕" charset="0"/>
+                <a:ea typeface="맑은 고딕" charset="0"/>
+              </a:rPr>
+              <a:t>A</a:t>
+            </a:r>
+            <a:r>
+              <a:rPr lang="ko-KR" sz="1800">
+                <a:latin typeface="맑은 고딕" charset="0"/>
+                <a:ea typeface="맑은 고딕" charset="0"/>
+              </a:rPr>
+              <a:t>nimation </a:t>
+            </a:r>
+            <a:r>
+              <a:rPr lang="ko-KR" sz="1800">
+                <a:latin typeface="맑은 고딕" charset="0"/>
+                <a:ea typeface="맑은 고딕" charset="0"/>
+              </a:rPr>
+              <a:t>K</a:t>
+            </a:r>
+            <a:r>
+              <a:rPr lang="ko-KR" sz="1800">
+                <a:latin typeface="맑은 고딕" charset="0"/>
+                <a:ea typeface="맑은 고딕" charset="0"/>
+              </a:rPr>
+              <a:t>ey</a:t>
+            </a:r>
+            <a:r>
+              <a:rPr lang="ko-KR" sz="1800">
+                <a:latin typeface="맑은 고딕" charset="0"/>
+                <a:ea typeface="맑은 고딕" charset="0"/>
+              </a:rPr>
+              <a:t> </a:t>
+            </a:r>
+            <a:r>
+              <a:rPr lang="ko-KR" sz="1800">
+                <a:latin typeface="맑은 고딕" charset="0"/>
+                <a:ea typeface="맑은 고딕" charset="0"/>
+              </a:rPr>
+              <a:t>Frame을 0</a:t>
+            </a:r>
+            <a:r>
+              <a:rPr lang="ko-KR" sz="1800">
+                <a:latin typeface="맑은 고딕" charset="0"/>
+                <a:ea typeface="맑은 고딕" charset="0"/>
+              </a:rPr>
+              <a:t> </a:t>
+            </a:r>
+            <a:r>
+              <a:rPr lang="ko-KR" sz="1800">
+                <a:latin typeface="맑은 고딕" charset="0"/>
+                <a:ea typeface="맑은 고딕" charset="0"/>
+              </a:rPr>
+              <a:t>:</a:t>
+            </a:r>
+            <a:r>
+              <a:rPr lang="ko-KR" sz="1800">
+                <a:latin typeface="맑은 고딕" charset="0"/>
+                <a:ea typeface="맑은 고딕" charset="0"/>
+              </a:rPr>
+              <a:t> </a:t>
+            </a:r>
+            <a:r>
+              <a:rPr lang="ko-KR" sz="1800">
+                <a:latin typeface="맑은 고딕" charset="0"/>
+                <a:ea typeface="맑은 고딕" charset="0"/>
+              </a:rPr>
+              <a:t>50</a:t>
+            </a:r>
+            <a:r>
+              <a:rPr lang="ko-KR" sz="1800">
+                <a:latin typeface="맑은 고딕" charset="0"/>
+                <a:ea typeface="맑은 고딕" charset="0"/>
+              </a:rPr>
+              <a:t>에 </a:t>
+            </a:r>
+            <a:r>
+              <a:rPr lang="ko-KR" sz="1800">
+                <a:latin typeface="맑은 고딕" charset="0"/>
+                <a:ea typeface="맑은 고딕" charset="0"/>
+              </a:rPr>
+              <a:t>위치를 옮겨</a:t>
+            </a:r>
+            <a:r>
+              <a:rPr lang="ko-KR" sz="1800">
+                <a:latin typeface="맑은 고딕" charset="0"/>
+                <a:ea typeface="맑은 고딕" charset="0"/>
+              </a:rPr>
+              <a:t>줍니다.</a:t>
+            </a:r>
+            <a:endParaRPr lang="ko-KR" altLang="en-US" sz="1800">
+              <a:latin typeface="맑은 고딕" charset="0"/>
+              <a:ea typeface="맑은 고딕" charset="0"/>
+            </a:endParaRPr>
+          </a:p>
+        </p:txBody>
+      </p:sp>
+      <p:pic>
+        <p:nvPicPr>
+          <p:cNvPr id="74" name="그림 5" descr="C:/Users/nwond/AppData/Roaming/PolarisOffice/ETemp/9148_20056000/fImage240171248467.png"/>
+          <p:cNvPicPr>
+            <a:picLocks noChangeAspect="1"/>
+          </p:cNvPicPr>
+          <p:nvPr/>
+        </p:nvPicPr>
+        <p:blipFill rotWithShape="1">
+          <a:blip r:embed="rId5" cstate="print">
+            <a:extLst>
+              <a:ext uri="{28A0092B-C50C-407E-A947-70E740481C1C}">
+                <a14:useLocalDpi xmlns:a14="http://schemas.microsoft.com/office/drawing/2010/main" val="0"/>
+              </a:ext>
+            </a:extLst>
+          </a:blip>
+          <a:stretch>
+            <a:fillRect/>
+          </a:stretch>
+        </p:blipFill>
+        <p:spPr>
+          <a:xfrm rot="0">
+            <a:off x="6820535" y="3897630"/>
+            <a:ext cx="4140200" cy="1695450"/>
+          </a:xfrm>
+          <a:prstGeom prst="roundRect"/>
+          <a:solidFill>
+            <a:srgbClr val="EDEDED"/>
+          </a:solidFill>
+        </p:spPr>
+      </p:pic>
+    </p:spTree>
+  </p:cSld>
+  <p:clrMapOvr>
+    <a:masterClrMapping/>
+  </p:clrMapOvr>
+  <mc:AlternateContent xmlns:mc="http://schemas.openxmlformats.org/markup-compatibility/2006">
+    <mc:Choice xmlns:p14="http://schemas.microsoft.com/office/powerpoint/2010/main" Requires="p14">
+      <p:transition spd="slow" p14:dur="1000"/>
+    </mc:Choice>
+    <mc:Fallback>
+      <p:transition spd="slow"/>
+    </mc:Fallback>
+  </mc:AlternateContent>
+  <p:timing>
+    <p:tnLst>
+      <p:par>
+        <p:cTn id="1" dur="indefinite" restart="never" nodeType="tmRoot"/>
+      </p:par>
+    </p:tnLst>
+  </p:timing>
+</p:sld>
+</file>
+
+<file path=ppt/slides/slide12.xml><?xml version="1.0" encoding="utf-8"?>
+<p:sld xmlns:a="http://schemas.openxmlformats.org/drawingml/2006/main" xmlns:r="http://schemas.openxmlformats.org/officeDocument/2006/relationships" xmlns:p="http://schemas.openxmlformats.org/presentationml/2006/main" xmlns:p14="http://schemas.microsoft.com/office/powerpoint/2010/main">
+  <p:cSld>
+    <p:spTree>
+      <p:nvGrpSpPr>
+        <p:cNvPr id="1" name=""/>
+        <p:cNvGrpSpPr/>
+        <p:nvPr/>
+      </p:nvGrpSpPr>
+      <p:grpSpPr>
+        <a:xfrm>
+          <a:off x="0" y="0"/>
+          <a:ext cx="0" cy="0"/>
+          <a:chOff x="0" y="0"/>
+          <a:chExt cx="0" cy="0"/>
+        </a:xfrm>
+      </p:grpSpPr>
+      <p:sp>
+        <p:nvSpPr>
+          <p:cNvPr id="3" name="Rect 0"/>
+          <p:cNvSpPr txBox="1">
+            <a:spLocks/>
+          </p:cNvSpPr>
+          <p:nvPr/>
+        </p:nvSpPr>
+        <p:spPr>
+          <a:xfrm rot="0">
+            <a:off x="4340860" y="447040"/>
+            <a:ext cx="3517265" cy="478155"/>
+          </a:xfrm>
+          <a:prstGeom prst="rect"/>
+          <a:noFill/>
+          <a:ln w="0">
+            <a:noFill/>
+            <a:prstDash/>
+          </a:ln>
+        </p:spPr>
+        <p:txBody>
+          <a:bodyPr wrap="square" lIns="89535" tIns="46355" rIns="89535" bIns="46355" numCol="1" vert="horz" anchor="t">
+            <a:spAutoFit/>
+          </a:bodyPr>
+          <a:lstStyle/>
+          <a:p>
+            <a:pPr marL="0" indent="0" rtl="0" algn="ctr" defTabSz="914400" eaLnBrk="1" latinLnBrk="0" hangingPunct="1">
+              <a:buFontTx/>
+              <a:buNone/>
+            </a:pPr>
+            <a:r>
+              <a:rPr lang="ko-KR" sz="2500" b="1">
+                <a:solidFill>
+                  <a:schemeClr val="tx1"/>
+                </a:solidFill>
+                <a:latin typeface="나눔바른고딕" charset="0"/>
+                <a:ea typeface="나눔바른고딕" charset="0"/>
+              </a:rPr>
+              <a:t>열</a:t>
+            </a:r>
+            <a:r>
+              <a:rPr lang="ko-KR" sz="2500" b="1">
+                <a:solidFill>
+                  <a:schemeClr val="tx1"/>
+                </a:solidFill>
+                <a:latin typeface="나눔바른고딕" charset="0"/>
+                <a:ea typeface="나눔바른고딕" charset="0"/>
+              </a:rPr>
+              <a:t>두</a:t>
+            </a:r>
+            <a:r>
+              <a:rPr lang="ko-KR" sz="2500" b="1">
+                <a:solidFill>
+                  <a:schemeClr val="tx1"/>
+                </a:solidFill>
+                <a:latin typeface="나눔바른고딕" charset="0"/>
+                <a:ea typeface="나눔바른고딕" charset="0"/>
+              </a:rPr>
+              <a:t> 번째 튜토리얼</a:t>
+            </a:r>
+            <a:endParaRPr lang="ko-KR" altLang="en-US" sz="2500" b="1">
+              <a:solidFill>
+                <a:schemeClr val="tx1"/>
+              </a:solidFill>
+              <a:latin typeface="나눔바른고딕" charset="0"/>
+              <a:ea typeface="나눔바른고딕" charset="0"/>
+            </a:endParaRPr>
+          </a:p>
+        </p:txBody>
+      </p:sp>
+      <p:sp>
+        <p:nvSpPr>
+          <p:cNvPr id="63" name="Rect 0"/>
+          <p:cNvSpPr txBox="1">
+            <a:spLocks/>
+          </p:cNvSpPr>
+          <p:nvPr/>
+        </p:nvSpPr>
+        <p:spPr>
+          <a:xfrm rot="0">
+            <a:off x="6832600" y="5316855"/>
+            <a:ext cx="4128770" cy="954405"/>
+          </a:xfrm>
+          <a:prstGeom prst="rect"/>
+          <a:noFill/>
+          <a:ln w="0">
+            <a:noFill/>
+            <a:prstDash/>
+          </a:ln>
+        </p:spPr>
+        <p:txBody>
+          <a:bodyPr wrap="square" lIns="89535" tIns="46355" rIns="89535" bIns="46355" numCol="1" vert="horz" anchor="t">
+            <a:spAutoFit/>
+          </a:bodyPr>
+          <a:lstStyle/>
+          <a:p>
+            <a:pPr marL="0" indent="0" rtl="0" algn="l" defTabSz="914400" eaLnBrk="1" latinLnBrk="0" hangingPunct="1">
+              <a:buFontTx/>
+              <a:buNone/>
+            </a:pPr>
+            <a:r>
+              <a:rPr lang="ko-KR" sz="2000" b="1">
+                <a:solidFill>
+                  <a:srgbClr val="0611F2"/>
+                </a:solidFill>
+                <a:latin typeface="맑은 고딕" charset="0"/>
+                <a:ea typeface="맑은 고딕" charset="0"/>
+              </a:rPr>
+              <a:t>30</a:t>
+            </a:r>
+            <a:r>
+              <a:rPr sz="2000" b="1">
+                <a:solidFill>
+                  <a:srgbClr val="0611F2"/>
+                </a:solidFill>
+                <a:latin typeface="맑은 고딕" charset="0"/>
+                <a:ea typeface="맑은 고딕" charset="0"/>
+              </a:rPr>
+              <a:t>. </a:t>
+            </a:r>
+            <a:r>
+              <a:rPr lang="ko-KR" sz="1800">
+                <a:latin typeface="맑은 고딕" charset="0"/>
+                <a:ea typeface="맑은 고딕" charset="0"/>
+              </a:rPr>
+              <a:t>그런 다음 Vector3 배열의 크기를 3으로 설정하고 </a:t>
+            </a:r>
+            <a:r>
+              <a:rPr lang="ko-KR" sz="1800">
+                <a:latin typeface="맑은 고딕" charset="0"/>
+                <a:ea typeface="맑은 고딕" charset="0"/>
+              </a:rPr>
+              <a:t>각각의 배열의 요소에</a:t>
+            </a:r>
+            <a:r>
+              <a:rPr lang="ko-KR" sz="1800">
+                <a:latin typeface="맑은 고딕" charset="0"/>
+                <a:ea typeface="맑은 고딕" charset="0"/>
+              </a:rPr>
+              <a:t> 값을 </a:t>
+            </a:r>
+            <a:r>
+              <a:rPr lang="ko-KR" sz="1800">
+                <a:latin typeface="맑은 고딕" charset="0"/>
+                <a:ea typeface="맑은 고딕" charset="0"/>
+              </a:rPr>
+              <a:t>설정</a:t>
+            </a:r>
+            <a:r>
+              <a:rPr lang="ko-KR" sz="1800">
+                <a:latin typeface="맑은 고딕" charset="0"/>
+                <a:ea typeface="맑은 고딕" charset="0"/>
+              </a:rPr>
+              <a:t>합니다.</a:t>
+            </a:r>
+            <a:endParaRPr lang="ko-KR" altLang="en-US" sz="1800">
+              <a:latin typeface="맑은 고딕" charset="0"/>
+              <a:ea typeface="맑은 고딕" charset="0"/>
+            </a:endParaRPr>
+          </a:p>
+        </p:txBody>
+      </p:sp>
+      <p:sp>
+        <p:nvSpPr>
+          <p:cNvPr id="68" name="Rect 0"/>
+          <p:cNvSpPr txBox="1">
+            <a:spLocks/>
+          </p:cNvSpPr>
+          <p:nvPr/>
+        </p:nvSpPr>
+        <p:spPr>
+          <a:xfrm rot="0">
+            <a:off x="1241425" y="4206875"/>
+            <a:ext cx="4121150" cy="2061845"/>
+          </a:xfrm>
+          <a:prstGeom prst="rect"/>
+          <a:noFill/>
+          <a:ln w="0">
+            <a:noFill/>
+            <a:prstDash/>
+          </a:ln>
+        </p:spPr>
+        <p:txBody>
+          <a:bodyPr wrap="square" lIns="89535" tIns="46355" rIns="89535" bIns="46355" numCol="1" vert="horz" anchor="t">
+            <a:spAutoFit/>
+          </a:bodyPr>
+          <a:lstStyle/>
+          <a:p>
+            <a:pPr marL="0" indent="0" rtl="0" algn="l" defTabSz="914400" eaLnBrk="1" latinLnBrk="0" hangingPunct="1">
+              <a:buFontTx/>
+              <a:buNone/>
+            </a:pPr>
+            <a:r>
+              <a:rPr sz="2000" b="1">
+                <a:solidFill>
+                  <a:srgbClr val="0611F2"/>
+                </a:solidFill>
+                <a:latin typeface="맑은 고딕" charset="0"/>
+                <a:ea typeface="맑은 고딕" charset="0"/>
+              </a:rPr>
+              <a:t>2</a:t>
+            </a:r>
+            <a:r>
+              <a:rPr sz="2000" b="1">
+                <a:solidFill>
+                  <a:srgbClr val="0611F2"/>
+                </a:solidFill>
+                <a:latin typeface="맑은 고딕" charset="0"/>
+                <a:ea typeface="맑은 고딕" charset="0"/>
+              </a:rPr>
+              <a:t>8</a:t>
+            </a:r>
+            <a:r>
+              <a:rPr sz="2000" b="1">
+                <a:solidFill>
+                  <a:srgbClr val="0611F2"/>
+                </a:solidFill>
+                <a:latin typeface="맑은 고딕" charset="0"/>
+                <a:ea typeface="맑은 고딕" charset="0"/>
+              </a:rPr>
+              <a:t>. </a:t>
+            </a:r>
+            <a:r>
+              <a:rPr lang="ko-KR" sz="1800">
+                <a:latin typeface="맑은 고딕" charset="0"/>
+                <a:ea typeface="맑은 고딕" charset="0"/>
+              </a:rPr>
+              <a:t>그러고 </a:t>
+            </a:r>
+            <a:r>
+              <a:rPr lang="ko-KR" sz="1800">
+                <a:latin typeface="맑은 고딕" charset="0"/>
+                <a:ea typeface="맑은 고딕" charset="0"/>
+              </a:rPr>
+              <a:t>나서</a:t>
+            </a:r>
+            <a:r>
+              <a:rPr lang="ko-KR" sz="1800">
+                <a:latin typeface="맑은 고딕" charset="0"/>
+                <a:ea typeface="맑은 고딕" charset="0"/>
+              </a:rPr>
+              <a:t> CreateManager 스크립트에서</a:t>
+            </a:r>
+            <a:r>
+              <a:rPr lang="ko-KR" sz="1800">
+                <a:latin typeface="맑은 고딕" charset="0"/>
+                <a:ea typeface="맑은 고딕" charset="0"/>
+              </a:rPr>
+              <a:t> S</a:t>
+            </a:r>
+            <a:r>
+              <a:rPr lang="ko-KR" sz="1800">
+                <a:latin typeface="맑은 고딕" charset="0"/>
+                <a:ea typeface="맑은 고딕" charset="0"/>
+              </a:rPr>
+              <a:t>t</a:t>
+            </a:r>
+            <a:r>
+              <a:rPr lang="ko-KR" sz="1800">
+                <a:latin typeface="맑은 고딕" charset="0"/>
+                <a:ea typeface="맑은 고딕" charset="0"/>
+              </a:rPr>
+              <a:t>a</a:t>
+            </a:r>
+            <a:r>
+              <a:rPr lang="ko-KR" sz="1800">
+                <a:latin typeface="맑은 고딕" charset="0"/>
+                <a:ea typeface="맑은 고딕" charset="0"/>
+              </a:rPr>
+              <a:t>rt</a:t>
+            </a:r>
+            <a:r>
+              <a:rPr lang="ko-KR" sz="1800">
+                <a:latin typeface="맑은 고딕" charset="0"/>
+                <a:ea typeface="맑은 고딕" charset="0"/>
+              </a:rPr>
+              <a:t>( </a:t>
+            </a:r>
+            <a:r>
+              <a:rPr lang="ko-KR" sz="1800">
+                <a:latin typeface="맑은 고딕" charset="0"/>
+                <a:ea typeface="맑은 고딕" charset="0"/>
+              </a:rPr>
+              <a:t>)</a:t>
+            </a:r>
+            <a:r>
+              <a:rPr lang="ko-KR" sz="1800">
+                <a:latin typeface="맑은 고딕" charset="0"/>
+                <a:ea typeface="맑은 고딕" charset="0"/>
+              </a:rPr>
+              <a:t> 함수를 I</a:t>
+            </a:r>
+            <a:r>
+              <a:rPr lang="ko-KR" sz="1800">
+                <a:latin typeface="맑은 고딕" charset="0"/>
+                <a:ea typeface="맑은 고딕" charset="0"/>
+              </a:rPr>
+              <a:t>Enum</a:t>
+            </a:r>
+            <a:r>
+              <a:rPr lang="ko-KR" sz="1800">
+                <a:latin typeface="맑은 고딕" charset="0"/>
+                <a:ea typeface="맑은 고딕" charset="0"/>
+              </a:rPr>
+              <a:t>e</a:t>
+            </a:r>
+            <a:r>
+              <a:rPr lang="ko-KR" sz="1800">
+                <a:latin typeface="맑은 고딕" charset="0"/>
+                <a:ea typeface="맑은 고딕" charset="0"/>
+              </a:rPr>
+              <a:t>rator로 선언합니다.</a:t>
+            </a:r>
+            <a:endParaRPr lang="ko-KR" altLang="en-US" sz="1800">
+              <a:latin typeface="맑은 고딕" charset="0"/>
+              <a:ea typeface="맑은 고딕" charset="0"/>
+            </a:endParaRPr>
+          </a:p>
+          <a:p>
+            <a:pPr marL="0" indent="0" rtl="0" algn="l" defTabSz="914400" eaLnBrk="1" latinLnBrk="0" hangingPunct="1">
+              <a:buFontTx/>
+              <a:buNone/>
+            </a:pPr>
+            <a:endParaRPr lang="ko-KR" altLang="en-US" sz="1800">
+              <a:latin typeface="맑은 고딕" charset="0"/>
+              <a:ea typeface="맑은 고딕" charset="0"/>
+            </a:endParaRPr>
+          </a:p>
+          <a:p>
+            <a:pPr marL="0" indent="0" rtl="0" algn="l" defTabSz="914400" eaLnBrk="1" latinLnBrk="0" hangingPunct="1">
+              <a:buFontTx/>
+              <a:buNone/>
+            </a:pPr>
+            <a:r>
+              <a:rPr lang="ko-KR" sz="1800">
+                <a:latin typeface="맑은 고딕" charset="0"/>
+                <a:ea typeface="맑은 고딕" charset="0"/>
+              </a:rPr>
+              <a:t>이제 M</a:t>
+            </a:r>
+            <a:r>
+              <a:rPr lang="ko-KR" sz="1800">
+                <a:latin typeface="맑은 고딕" charset="0"/>
+                <a:ea typeface="맑은 고딕" charset="0"/>
+              </a:rPr>
+              <a:t>onst</a:t>
+            </a:r>
+            <a:r>
+              <a:rPr lang="ko-KR" sz="1800">
+                <a:latin typeface="맑은 고딕" charset="0"/>
+                <a:ea typeface="맑은 고딕" charset="0"/>
+              </a:rPr>
+              <a:t>e</a:t>
+            </a:r>
+            <a:r>
+              <a:rPr lang="ko-KR" sz="1800">
+                <a:latin typeface="맑은 고딕" charset="0"/>
+                <a:ea typeface="맑은 고딕" charset="0"/>
+              </a:rPr>
+              <a:t>r 오브</a:t>
+            </a:r>
+            <a:r>
+              <a:rPr lang="ko-KR" sz="1800">
+                <a:latin typeface="맑은 고딕" charset="0"/>
+                <a:ea typeface="맑은 고딕" charset="0"/>
+              </a:rPr>
+              <a:t>젝트를 생성하고</a:t>
+            </a:r>
+            <a:r>
+              <a:rPr lang="ko-KR" sz="1800">
+                <a:latin typeface="맑은 고딕" charset="0"/>
+                <a:ea typeface="맑은 고딕" charset="0"/>
+              </a:rPr>
+              <a:t> </a:t>
+            </a:r>
+            <a:r>
+              <a:rPr lang="ko-KR" sz="1800">
+                <a:latin typeface="맑은 고딕" charset="0"/>
+                <a:ea typeface="맑은 고딕" charset="0"/>
+              </a:rPr>
+              <a:t>특정한 </a:t>
+            </a:r>
+            <a:r>
+              <a:rPr lang="ko-KR" sz="1800">
+                <a:latin typeface="맑은 고딕" charset="0"/>
+                <a:ea typeface="맑은 고딕" charset="0"/>
+              </a:rPr>
+              <a:t>시간이 지난 뒤 </a:t>
+            </a:r>
+            <a:r>
+              <a:rPr lang="ko-KR" sz="1800">
+                <a:latin typeface="맑은 고딕" charset="0"/>
+                <a:ea typeface="맑은 고딕" charset="0"/>
+              </a:rPr>
+              <a:t>M</a:t>
+            </a:r>
+            <a:r>
+              <a:rPr lang="ko-KR" sz="1800">
+                <a:latin typeface="맑은 고딕" charset="0"/>
+                <a:ea typeface="맑은 고딕" charset="0"/>
+              </a:rPr>
+              <a:t>onster 오브</a:t>
+            </a:r>
+            <a:r>
+              <a:rPr lang="ko-KR" sz="1800">
+                <a:latin typeface="맑은 고딕" charset="0"/>
+                <a:ea typeface="맑은 고딕" charset="0"/>
+              </a:rPr>
+              <a:t>젝트를 삭제하도록 </a:t>
+            </a:r>
+            <a:r>
+              <a:rPr lang="ko-KR" sz="1800">
+                <a:latin typeface="맑은 고딕" charset="0"/>
+                <a:ea typeface="맑은 고딕" charset="0"/>
+              </a:rPr>
+              <a:t>설정합니다.</a:t>
+            </a:r>
+            <a:endParaRPr lang="ko-KR" altLang="en-US" sz="1800">
+              <a:latin typeface="맑은 고딕" charset="0"/>
+              <a:ea typeface="맑은 고딕" charset="0"/>
+            </a:endParaRPr>
+          </a:p>
+        </p:txBody>
+      </p:sp>
+      <p:pic>
+        <p:nvPicPr>
+          <p:cNvPr id="75" name="그림 17"/>
+          <p:cNvPicPr>
+            <a:picLocks noChangeAspect="1"/>
+          </p:cNvPicPr>
+          <p:nvPr/>
+        </p:nvPicPr>
+        <p:blipFill rotWithShape="1">
+          <a:blip r:embed="rId2" cstate="print">
+            <a:extLst>
+              <a:ext uri="{28A0092B-C50C-407E-A947-70E740481C1C}">
+                <a14:useLocalDpi xmlns:a14="http://schemas.microsoft.com/office/drawing/2010/main" val="0"/>
+              </a:ext>
+            </a:extLst>
+          </a:blip>
+          <a:stretch>
+            <a:fillRect/>
+          </a:stretch>
+        </p:blipFill>
+        <p:spPr>
+          <a:xfrm rot="0">
+            <a:off x="1235075" y="1433830"/>
+            <a:ext cx="4133850" cy="2731135"/>
+          </a:xfrm>
+          <a:prstGeom prst="roundRect"/>
+          <a:solidFill>
+            <a:srgbClr val="EDEDED"/>
+          </a:solidFill>
+        </p:spPr>
+      </p:pic>
+      <p:pic>
+        <p:nvPicPr>
+          <p:cNvPr id="76" name="그림 23" descr="C:/Users/nwond/AppData/Roaming/PolarisOffice/ETemp/37472_16665336/fImage111722106500.png"/>
+          <p:cNvPicPr>
+            <a:picLocks noChangeAspect="1"/>
+          </p:cNvPicPr>
+          <p:nvPr/>
+        </p:nvPicPr>
+        <p:blipFill rotWithShape="1">
+          <a:blip r:embed="rId3" cstate="hqprint">
+            <a:extLst>
+              <a:ext uri="{28A0092B-C50C-407E-A947-70E740481C1C}">
+                <a14:useLocalDpi xmlns:a14="http://schemas.microsoft.com/office/drawing/2010/main"/>
+              </a:ext>
+            </a:extLst>
+          </a:blip>
+          <a:stretch>
+            <a:fillRect/>
+          </a:stretch>
+        </p:blipFill>
+        <p:spPr>
+          <a:xfrm rot="0">
+            <a:off x="8260080" y="1441450"/>
+            <a:ext cx="2701290" cy="1276985"/>
+          </a:xfrm>
+          <a:prstGeom prst="roundRect"/>
+          <a:solidFill>
+            <a:srgbClr val="EDEDED"/>
+          </a:solidFill>
+        </p:spPr>
+      </p:pic>
+      <p:pic>
+        <p:nvPicPr>
+          <p:cNvPr id="77" name="그림 26"/>
+          <p:cNvPicPr>
+            <a:picLocks noChangeAspect="1"/>
+          </p:cNvPicPr>
+          <p:nvPr/>
+        </p:nvPicPr>
+        <p:blipFill rotWithShape="1">
+          <a:blip r:embed="rId4" cstate="print">
+            <a:extLst>
+              <a:ext uri="{28A0092B-C50C-407E-A947-70E740481C1C}">
+                <a14:useLocalDpi xmlns:a14="http://schemas.microsoft.com/office/drawing/2010/main" val="0"/>
+              </a:ext>
+            </a:extLst>
+          </a:blip>
+          <a:stretch>
+            <a:fillRect/>
+          </a:stretch>
+        </p:blipFill>
+        <p:spPr>
+          <a:xfrm rot="0">
+            <a:off x="6836410" y="1433830"/>
+            <a:ext cx="1362710" cy="1303020"/>
+          </a:xfrm>
+          <a:prstGeom prst="roundRect"/>
+          <a:solidFill>
+            <a:srgbClr val="EDEDED"/>
+          </a:solidFill>
+        </p:spPr>
+      </p:pic>
+      <p:sp>
+        <p:nvSpPr>
+          <p:cNvPr id="78" name="텍스트 상자 29"/>
+          <p:cNvSpPr txBox="1">
+            <a:spLocks/>
+          </p:cNvSpPr>
+          <p:nvPr/>
+        </p:nvSpPr>
+        <p:spPr>
+          <a:xfrm rot="0">
+            <a:off x="6830695" y="2719705"/>
+            <a:ext cx="4130675" cy="955040"/>
+          </a:xfrm>
+          <a:prstGeom prst="rect"/>
+          <a:noFill/>
+          <a:ln w="0">
+            <a:noFill/>
+            <a:prstDash/>
+          </a:ln>
+        </p:spPr>
+        <p:txBody>
+          <a:bodyPr wrap="square" lIns="89535" tIns="46355" rIns="89535" bIns="46355" numCol="1" vert="horz" anchor="t">
+            <a:spAutoFit/>
+          </a:bodyPr>
+          <a:lstStyle/>
+          <a:p>
+            <a:pPr marL="0" indent="0" rtl="0" algn="l" defTabSz="914400" eaLnBrk="1" latinLnBrk="0" hangingPunct="1">
+              <a:buFontTx/>
+              <a:buNone/>
+            </a:pPr>
+            <a:r>
+              <a:rPr sz="2000" b="1">
+                <a:solidFill>
+                  <a:srgbClr val="0611F2"/>
+                </a:solidFill>
+                <a:latin typeface="맑은 고딕" charset="0"/>
+                <a:ea typeface="맑은 고딕" charset="0"/>
+              </a:rPr>
+              <a:t>2</a:t>
+            </a:r>
+            <a:r>
+              <a:rPr lang="ko-KR" sz="2000" b="1">
+                <a:solidFill>
+                  <a:srgbClr val="0611F2"/>
+                </a:solidFill>
+                <a:latin typeface="맑은 고딕" charset="0"/>
+                <a:ea typeface="맑은 고딕" charset="0"/>
+              </a:rPr>
+              <a:t>9</a:t>
+            </a:r>
+            <a:r>
+              <a:rPr sz="2000" b="1">
+                <a:solidFill>
+                  <a:srgbClr val="0611F2"/>
+                </a:solidFill>
+                <a:latin typeface="맑은 고딕" charset="0"/>
+                <a:ea typeface="맑은 고딕" charset="0"/>
+              </a:rPr>
+              <a:t>. </a:t>
+            </a:r>
+            <a:r>
+              <a:rPr lang="ko-KR" sz="1800">
+                <a:latin typeface="맑은 고딕" charset="0"/>
+                <a:ea typeface="맑은 고딕" charset="0"/>
+              </a:rPr>
+              <a:t>그리고 CreateManager 오브젝트에 있는 Monster 변수에 Monster 오브젝트를 넣어줍니다.</a:t>
+            </a:r>
+            <a:endParaRPr lang="ko-KR" altLang="en-US" sz="1800">
+              <a:latin typeface="맑은 고딕" charset="0"/>
+              <a:ea typeface="맑은 고딕" charset="0"/>
+            </a:endParaRPr>
+          </a:p>
+        </p:txBody>
+      </p:sp>
+      <p:cxnSp>
+        <p:nvCxnSpPr>
+          <p:cNvPr id="79" name="도형 30"/>
+          <p:cNvCxnSpPr/>
+          <p:nvPr/>
+        </p:nvCxnSpPr>
+        <p:spPr>
+          <a:xfrm rot="0" flipV="1">
+            <a:off x="7428230" y="1936115"/>
+            <a:ext cx="3451225" cy="391795"/>
+          </a:xfrm>
+          <a:prstGeom prst="straightConnector1"/>
+          <a:ln w="6350" cap="flat" cmpd="sng">
+            <a:prstDash/>
+            <a:headEnd type="none" w="med" len="med"/>
+            <a:tailEnd type="triangle" w="med" len="med"/>
+          </a:ln>
+        </p:spPr>
+        <p:style>
+          <a:lnRef idx="1">
+            <a:schemeClr val="accent1"/>
+          </a:lnRef>
+          <a:fillRef idx="0">
+            <a:schemeClr val="accent1"/>
+          </a:fillRef>
+          <a:effectRef idx="0">
+            <a:schemeClr val="accent1"/>
+          </a:effectRef>
+          <a:fontRef idx="minor">
+            <a:schemeClr val="tx1"/>
+          </a:fontRef>
+        </p:style>
+      </p:cxnSp>
+      <p:pic>
+        <p:nvPicPr>
+          <p:cNvPr id="80" name="그림 21" descr="C:/Users/nwond/AppData/Roaming/PolarisOffice/ETemp/37472_16665336/fImage1541423141.png"/>
+          <p:cNvPicPr>
+            <a:picLocks noChangeAspect="1"/>
+          </p:cNvPicPr>
+          <p:nvPr/>
+        </p:nvPicPr>
+        <p:blipFill rotWithShape="1">
+          <a:blip r:embed="rId6" cstate="print">
+            <a:extLst>
+              <a:ext uri="{28A0092B-C50C-407E-A947-70E740481C1C}">
+                <a14:useLocalDpi xmlns:a14="http://schemas.microsoft.com/office/drawing/2010/main" val="0"/>
+              </a:ext>
+            </a:extLst>
+          </a:blip>
+          <a:stretch>
+            <a:fillRect/>
+          </a:stretch>
+        </p:blipFill>
+        <p:spPr>
+          <a:xfrm rot="0">
+            <a:off x="6838950" y="3670300"/>
+            <a:ext cx="4121785" cy="1677035"/>
+          </a:xfrm>
+          <a:prstGeom prst="roundRect"/>
+          <a:solidFill>
+            <a:srgbClr val="EDEDED"/>
+          </a:solidFill>
+        </p:spPr>
+      </p:pic>
+    </p:spTree>
+  </p:cSld>
+  <p:clrMapOvr>
+    <a:masterClrMapping/>
+  </p:clrMapOvr>
+  <mc:AlternateContent xmlns:mc="http://schemas.openxmlformats.org/markup-compatibility/2006">
+    <mc:Choice xmlns:p14="http://schemas.microsoft.com/office/powerpoint/2010/main" Requires="p14">
+      <p:transition spd="slow" p14:dur="1000"/>
+    </mc:Choice>
+    <mc:Fallback>
+      <p:transition spd="slow"/>
+    </mc:Fallback>
+  </mc:AlternateContent>
+  <p:timing>
+    <p:tnLst>
+      <p:par>
+        <p:cTn id="1" dur="indefinite" restart="never" nodeType="tmRoot"/>
+      </p:par>
+    </p:tnLst>
+  </p:timing>
+</p:sld>
+</file>
+
+<file path=ppt/slides/slide13.xml><?xml version="1.0" encoding="utf-8"?>
+<p:sld xmlns:a="http://schemas.openxmlformats.org/drawingml/2006/main" xmlns:r="http://schemas.openxmlformats.org/officeDocument/2006/relationships" xmlns:p="http://schemas.openxmlformats.org/presentationml/2006/main" xmlns:p14="http://schemas.microsoft.com/office/powerpoint/2010/main">
+  <p:cSld>
+    <p:spTree>
+      <p:nvGrpSpPr>
+        <p:cNvPr id="1" name=""/>
+        <p:cNvGrpSpPr/>
+        <p:nvPr/>
+      </p:nvGrpSpPr>
+      <p:grpSpPr>
+        <a:xfrm>
+          <a:off x="0" y="0"/>
+          <a:ext cx="0" cy="0"/>
+          <a:chOff x="0" y="0"/>
+          <a:chExt cx="0" cy="0"/>
+        </a:xfrm>
+      </p:grpSpPr>
+      <p:sp>
+        <p:nvSpPr>
+          <p:cNvPr id="3" name="Rect 0"/>
+          <p:cNvSpPr txBox="1">
+            <a:spLocks/>
+          </p:cNvSpPr>
+          <p:nvPr/>
+        </p:nvSpPr>
+        <p:spPr>
+          <a:xfrm rot="0">
+            <a:off x="4340860" y="447040"/>
+            <a:ext cx="3517265" cy="478155"/>
+          </a:xfrm>
+          <a:prstGeom prst="rect"/>
+          <a:noFill/>
+          <a:ln w="0">
+            <a:noFill/>
+            <a:prstDash/>
+          </a:ln>
+        </p:spPr>
+        <p:txBody>
+          <a:bodyPr wrap="square" lIns="89535" tIns="46355" rIns="89535" bIns="46355" numCol="1" vert="horz" anchor="t">
+            <a:spAutoFit/>
+          </a:bodyPr>
+          <a:lstStyle/>
+          <a:p>
+            <a:pPr marL="0" indent="0" rtl="0" algn="ctr" defTabSz="914400" eaLnBrk="1" latinLnBrk="0" hangingPunct="1">
+              <a:buFontTx/>
+              <a:buNone/>
+            </a:pPr>
+            <a:r>
+              <a:rPr lang="ko-KR" sz="2500" b="1">
+                <a:solidFill>
+                  <a:schemeClr val="tx1"/>
+                </a:solidFill>
+                <a:latin typeface="나눔바른고딕" charset="0"/>
+                <a:ea typeface="나눔바른고딕" charset="0"/>
+              </a:rPr>
+              <a:t>열</a:t>
+            </a:r>
+            <a:r>
+              <a:rPr lang="ko-KR" sz="2500" b="1">
+                <a:solidFill>
+                  <a:schemeClr val="tx1"/>
+                </a:solidFill>
+                <a:latin typeface="나눔바른고딕" charset="0"/>
+                <a:ea typeface="나눔바른고딕" charset="0"/>
+              </a:rPr>
+              <a:t>세</a:t>
+            </a:r>
+            <a:r>
+              <a:rPr lang="ko-KR" sz="2500" b="1">
+                <a:solidFill>
+                  <a:schemeClr val="tx1"/>
+                </a:solidFill>
+                <a:latin typeface="나눔바른고딕" charset="0"/>
+                <a:ea typeface="나눔바른고딕" charset="0"/>
+              </a:rPr>
+              <a:t> 번째 튜토리얼</a:t>
+            </a:r>
+            <a:endParaRPr lang="ko-KR" altLang="en-US" sz="2500" b="1">
+              <a:solidFill>
+                <a:schemeClr val="tx1"/>
+              </a:solidFill>
+              <a:latin typeface="나눔바른고딕" charset="0"/>
+              <a:ea typeface="나눔바른고딕" charset="0"/>
+            </a:endParaRPr>
+          </a:p>
+        </p:txBody>
+      </p:sp>
+      <p:sp>
+        <p:nvSpPr>
+          <p:cNvPr id="63" name="Rect 0"/>
+          <p:cNvSpPr txBox="1">
+            <a:spLocks/>
+          </p:cNvSpPr>
+          <p:nvPr/>
+        </p:nvSpPr>
+        <p:spPr>
+          <a:xfrm rot="0">
+            <a:off x="6826885" y="5043805"/>
+            <a:ext cx="4121150" cy="1231265"/>
+          </a:xfrm>
+          <a:prstGeom prst="rect"/>
+          <a:noFill/>
+          <a:ln w="0">
+            <a:noFill/>
+            <a:prstDash/>
+          </a:ln>
+        </p:spPr>
+        <p:txBody>
+          <a:bodyPr wrap="square" lIns="89535" tIns="46355" rIns="89535" bIns="46355" numCol="1" vert="horz" anchor="t">
+            <a:spAutoFit/>
+          </a:bodyPr>
+          <a:lstStyle/>
+          <a:p>
+            <a:pPr marL="0" indent="0" rtl="0" algn="l" defTabSz="914400" eaLnBrk="1" latinLnBrk="0" hangingPunct="1">
+              <a:buFontTx/>
+              <a:buNone/>
+            </a:pPr>
+            <a:r>
+              <a:rPr sz="2000" b="1">
+                <a:solidFill>
+                  <a:srgbClr val="0611F2"/>
+                </a:solidFill>
+                <a:latin typeface="맑은 고딕" charset="0"/>
+                <a:ea typeface="맑은 고딕" charset="0"/>
+              </a:rPr>
+              <a:t>3</a:t>
+            </a:r>
+            <a:r>
+              <a:rPr lang="ko-KR" sz="2000" b="1">
+                <a:solidFill>
+                  <a:srgbClr val="0611F2"/>
+                </a:solidFill>
+                <a:latin typeface="맑은 고딕" charset="0"/>
+                <a:ea typeface="맑은 고딕" charset="0"/>
+              </a:rPr>
+              <a:t>2</a:t>
+            </a:r>
+            <a:r>
+              <a:rPr sz="2000" b="1">
+                <a:solidFill>
+                  <a:srgbClr val="0611F2"/>
+                </a:solidFill>
+                <a:latin typeface="맑은 고딕" charset="0"/>
+                <a:ea typeface="맑은 고딕" charset="0"/>
+              </a:rPr>
+              <a:t>. </a:t>
+            </a:r>
+            <a:r>
+              <a:rPr lang="ko-KR" sz="1800">
+                <a:latin typeface="맑은 고딕" charset="0"/>
+                <a:ea typeface="맑은 고딕" charset="0"/>
+              </a:rPr>
+              <a:t>그러고 </a:t>
+            </a:r>
+            <a:r>
+              <a:rPr lang="ko-KR" sz="1800">
+                <a:latin typeface="맑은 고딕" charset="0"/>
+                <a:ea typeface="맑은 고딕" charset="0"/>
+              </a:rPr>
+              <a:t>나서</a:t>
+            </a:r>
+            <a:r>
+              <a:rPr sz="1800">
+                <a:latin typeface="맑은 고딕" charset="0"/>
+                <a:ea typeface="맑은 고딕" charset="0"/>
+              </a:rPr>
+              <a:t> </a:t>
+            </a:r>
+            <a:r>
+              <a:rPr lang="ko-KR" sz="1800">
+                <a:latin typeface="맑은 고딕" charset="0"/>
+                <a:ea typeface="맑은 고딕" charset="0"/>
+              </a:rPr>
+              <a:t>R</a:t>
+            </a:r>
+            <a:r>
+              <a:rPr lang="ko-KR" sz="1800">
+                <a:latin typeface="맑은 고딕" charset="0"/>
+                <a:ea typeface="맑은 고딕" charset="0"/>
+              </a:rPr>
+              <a:t>ender </a:t>
+            </a:r>
+            <a:r>
+              <a:rPr lang="ko-KR" sz="1800">
+                <a:latin typeface="맑은 고딕" charset="0"/>
+                <a:ea typeface="맑은 고딕" charset="0"/>
+              </a:rPr>
+              <a:t>Texture 폴더에 </a:t>
+            </a:r>
+            <a:r>
+              <a:rPr lang="ko-KR" sz="1800">
+                <a:latin typeface="맑은 고딕" charset="0"/>
+                <a:ea typeface="맑은 고딕" charset="0"/>
+              </a:rPr>
+              <a:t>N</a:t>
+            </a:r>
+            <a:r>
+              <a:rPr lang="ko-KR" sz="1800">
+                <a:latin typeface="맑은 고딕" charset="0"/>
+                <a:ea typeface="맑은 고딕" charset="0"/>
+              </a:rPr>
+              <a:t>ew Render Tex</a:t>
+            </a:r>
+            <a:r>
+              <a:rPr lang="ko-KR" sz="1800">
+                <a:latin typeface="맑은 고딕" charset="0"/>
+                <a:ea typeface="맑은 고딕" charset="0"/>
+              </a:rPr>
+              <a:t>t</a:t>
+            </a:r>
+            <a:r>
+              <a:rPr lang="ko-KR" sz="1800">
+                <a:latin typeface="맑은 고딕" charset="0"/>
+                <a:ea typeface="맑은 고딕" charset="0"/>
+              </a:rPr>
+              <a:t>ure</a:t>
+            </a:r>
+            <a:r>
+              <a:rPr lang="ko-KR" sz="1800">
+                <a:latin typeface="맑은 고딕" charset="0"/>
+                <a:ea typeface="맑은 고딕" charset="0"/>
+              </a:rPr>
+              <a:t>를 선택한 다음 </a:t>
+            </a:r>
+            <a:r>
+              <a:rPr lang="ko-KR" sz="1800">
+                <a:latin typeface="맑은 고딕" charset="0"/>
+                <a:ea typeface="맑은 고딕" charset="0"/>
+              </a:rPr>
+              <a:t>R</a:t>
+            </a:r>
+            <a:r>
+              <a:rPr lang="ko-KR" sz="1800">
+                <a:latin typeface="맑은 고딕" charset="0"/>
+                <a:ea typeface="맑은 고딕" charset="0"/>
+              </a:rPr>
+              <a:t>ender Texture 오브젝트의 T</a:t>
+            </a:r>
+            <a:r>
+              <a:rPr lang="ko-KR" sz="1800">
+                <a:latin typeface="맑은 고딕" charset="0"/>
+                <a:ea typeface="맑은 고딕" charset="0"/>
+              </a:rPr>
+              <a:t>e</a:t>
+            </a:r>
+            <a:r>
+              <a:rPr lang="ko-KR" sz="1800">
+                <a:latin typeface="맑은 고딕" charset="0"/>
+                <a:ea typeface="맑은 고딕" charset="0"/>
+              </a:rPr>
+              <a:t>x</a:t>
+            </a:r>
+            <a:r>
+              <a:rPr lang="ko-KR" sz="1800">
+                <a:latin typeface="맑은 고딕" charset="0"/>
+                <a:ea typeface="맑은 고딕" charset="0"/>
+              </a:rPr>
+              <a:t>t</a:t>
+            </a:r>
+            <a:r>
+              <a:rPr lang="ko-KR" sz="1800">
+                <a:latin typeface="맑은 고딕" charset="0"/>
+                <a:ea typeface="맑은 고딕" charset="0"/>
+              </a:rPr>
+              <a:t>ure</a:t>
+            </a:r>
+            <a:r>
+              <a:rPr lang="ko-KR" sz="1800">
+                <a:latin typeface="맑은 고딕" charset="0"/>
+                <a:ea typeface="맑은 고딕" charset="0"/>
+              </a:rPr>
+              <a:t>에 </a:t>
+            </a:r>
+            <a:r>
+              <a:rPr lang="ko-KR" sz="1800">
+                <a:latin typeface="맑은 고딕" charset="0"/>
+                <a:ea typeface="맑은 고딕" charset="0"/>
+              </a:rPr>
+              <a:t>넣어줍니다.</a:t>
+            </a:r>
+            <a:endParaRPr lang="ko-KR" altLang="en-US" sz="1800">
+              <a:latin typeface="맑은 고딕" charset="0"/>
+              <a:ea typeface="맑은 고딕" charset="0"/>
+            </a:endParaRPr>
+          </a:p>
+        </p:txBody>
+      </p:sp>
+      <p:pic>
+        <p:nvPicPr>
+          <p:cNvPr id="83" name="그림 39" descr="C:/Users/nwond/AppData/Roaming/PolarisOffice/ETemp/37472_16665336/fImage147402271478.png"/>
+          <p:cNvPicPr>
+            <a:picLocks noChangeAspect="1"/>
+          </p:cNvPicPr>
+          <p:nvPr/>
+        </p:nvPicPr>
+        <p:blipFill rotWithShape="1">
+          <a:blip r:embed="rId2" cstate="hqprint">
+            <a:extLst>
+              <a:ext uri="{28A0092B-C50C-407E-A947-70E740481C1C}">
+                <a14:useLocalDpi xmlns:a14="http://schemas.microsoft.com/office/drawing/2010/main"/>
+              </a:ext>
+            </a:extLst>
+          </a:blip>
+          <a:stretch>
+            <a:fillRect/>
+          </a:stretch>
+        </p:blipFill>
+        <p:spPr>
+          <a:xfrm rot="0">
+            <a:off x="1290955" y="1439545"/>
+            <a:ext cx="4078605" cy="2055495"/>
+          </a:xfrm>
+          <a:prstGeom prst="roundRect"/>
+          <a:solidFill>
+            <a:srgbClr val="EDEDED"/>
+          </a:solidFill>
+        </p:spPr>
+      </p:pic>
+      <p:sp>
+        <p:nvSpPr>
+          <p:cNvPr id="85" name="텍스트 상자 53"/>
+          <p:cNvSpPr txBox="1">
+            <a:spLocks/>
+          </p:cNvSpPr>
+          <p:nvPr/>
+        </p:nvSpPr>
+        <p:spPr>
+          <a:xfrm rot="0">
+            <a:off x="1285875" y="5320030"/>
+            <a:ext cx="4080510" cy="954405"/>
+          </a:xfrm>
+          <a:prstGeom prst="rect"/>
+          <a:noFill/>
+          <a:ln w="0">
+            <a:noFill/>
+            <a:prstDash/>
+          </a:ln>
+        </p:spPr>
+        <p:txBody>
+          <a:bodyPr wrap="square" lIns="89535" tIns="46355" rIns="89535" bIns="46355" numCol="1" vert="horz" anchor="t">
+            <a:spAutoFit/>
+          </a:bodyPr>
+          <a:lstStyle/>
+          <a:p>
+            <a:pPr marL="0" indent="0" rtl="0" algn="l" defTabSz="914400" eaLnBrk="1" latinLnBrk="0" hangingPunct="1">
+              <a:buFontTx/>
+              <a:buNone/>
+            </a:pPr>
+            <a:r>
+              <a:rPr lang="ko-KR" sz="2000" b="1">
+                <a:solidFill>
+                  <a:srgbClr val="0611F2"/>
+                </a:solidFill>
+                <a:latin typeface="맑은 고딕" charset="0"/>
+                <a:ea typeface="맑은 고딕" charset="0"/>
+              </a:rPr>
+              <a:t>31</a:t>
+            </a:r>
+            <a:r>
+              <a:rPr sz="2000" b="1">
+                <a:solidFill>
+                  <a:srgbClr val="0611F2"/>
+                </a:solidFill>
+                <a:latin typeface="맑은 고딕" charset="0"/>
+                <a:ea typeface="맑은 고딕" charset="0"/>
+              </a:rPr>
+              <a:t>. </a:t>
+            </a:r>
+            <a:r>
+              <a:rPr lang="ko-KR" sz="1800">
+                <a:latin typeface="맑은 고딕" charset="0"/>
+                <a:ea typeface="맑은 고딕" charset="0"/>
+              </a:rPr>
+              <a:t>그다음으로 Canvas에 있는 Render Camera에 Main Camera 오브젝트를 넣어줍니다.</a:t>
+            </a:r>
+            <a:endParaRPr lang="ko-KR" altLang="en-US" sz="1800">
+              <a:latin typeface="맑은 고딕" charset="0"/>
+              <a:ea typeface="맑은 고딕" charset="0"/>
+            </a:endParaRPr>
+          </a:p>
+        </p:txBody>
+      </p:sp>
+      <p:pic>
+        <p:nvPicPr>
+          <p:cNvPr id="88" name="그림 10" descr="C:/Users/nwond/AppData/Roaming/PolarisOffice/ETemp/37472_16665336/fImage84761468467.png"/>
+          <p:cNvPicPr>
+            <a:picLocks noChangeAspect="1"/>
+          </p:cNvPicPr>
+          <p:nvPr/>
+        </p:nvPicPr>
+        <p:blipFill rotWithShape="1">
+          <a:blip r:embed="rId4" cstate="print">
+            <a:extLst>
+              <a:ext uri="{28A0092B-C50C-407E-A947-70E740481C1C}">
+                <a14:useLocalDpi xmlns:a14="http://schemas.microsoft.com/office/drawing/2010/main" val="0"/>
+              </a:ext>
+            </a:extLst>
+          </a:blip>
+          <a:stretch>
+            <a:fillRect/>
+          </a:stretch>
+        </p:blipFill>
+        <p:spPr>
+          <a:xfrm rot="0">
+            <a:off x="1295400" y="3571240"/>
+            <a:ext cx="4083685" cy="1760855"/>
+          </a:xfrm>
+          <a:prstGeom prst="roundRect"/>
+          <a:solidFill>
+            <a:srgbClr val="EDEDED"/>
+          </a:solidFill>
+        </p:spPr>
+      </p:pic>
+      <p:cxnSp>
+        <p:nvCxnSpPr>
+          <p:cNvPr id="89" name="도형 13"/>
+          <p:cNvCxnSpPr/>
+          <p:nvPr/>
+        </p:nvCxnSpPr>
+        <p:spPr>
+          <a:xfrm rot="0" flipV="1">
+            <a:off x="3618230" y="2197100"/>
+            <a:ext cx="1551940" cy="1607820"/>
+          </a:xfrm>
+          <a:prstGeom prst="straightConnector1"/>
+          <a:ln w="6350" cap="flat" cmpd="sng">
+            <a:prstDash/>
+            <a:headEnd type="none" w="med" len="med"/>
+            <a:tailEnd type="triangle" w="med" len="med"/>
+          </a:ln>
+        </p:spPr>
+        <p:style>
+          <a:lnRef idx="1">
+            <a:schemeClr val="accent1"/>
+          </a:lnRef>
+          <a:fillRef idx="0">
+            <a:schemeClr val="accent1"/>
+          </a:fillRef>
+          <a:effectRef idx="0">
+            <a:schemeClr val="accent1"/>
+          </a:effectRef>
+          <a:fontRef idx="minor">
+            <a:schemeClr val="tx1"/>
+          </a:fontRef>
+        </p:style>
+      </p:cxnSp>
+      <p:pic>
+        <p:nvPicPr>
+          <p:cNvPr id="91" name="그림 27" descr="C:/Users/nwond/AppData/Roaming/PolarisOffice/ETemp/37472_16665336/fImage151092356334.png"/>
+          <p:cNvPicPr>
+            <a:picLocks noChangeAspect="1"/>
+          </p:cNvPicPr>
+          <p:nvPr/>
+        </p:nvPicPr>
+        <p:blipFill rotWithShape="1">
+          <a:blip r:embed="rId5" cstate="print">
+            <a:extLst>
+              <a:ext uri="{28A0092B-C50C-407E-A947-70E740481C1C}">
+                <a14:useLocalDpi xmlns:a14="http://schemas.microsoft.com/office/drawing/2010/main" val="0"/>
+              </a:ext>
+            </a:extLst>
+          </a:blip>
+          <a:stretch>
+            <a:fillRect/>
+          </a:stretch>
+        </p:blipFill>
+        <p:spPr>
+          <a:xfrm rot="0">
+            <a:off x="6826250" y="1441450"/>
+            <a:ext cx="4121785" cy="2324735"/>
+          </a:xfrm>
+          <a:prstGeom prst="roundRect"/>
+          <a:solidFill>
+            <a:srgbClr val="EDEDED"/>
+          </a:solidFill>
+        </p:spPr>
+      </p:pic>
+      <p:pic>
+        <p:nvPicPr>
+          <p:cNvPr id="92" name="그림 28" descr="C:/Users/nwond/AppData/Roaming/PolarisOffice/ETemp/37472_16665336/fImage45222366500.png"/>
+          <p:cNvPicPr>
+            <a:picLocks noChangeAspect="1"/>
+          </p:cNvPicPr>
+          <p:nvPr/>
+        </p:nvPicPr>
+        <p:blipFill rotWithShape="1">
+          <a:blip r:embed="rId6" cstate="print">
+            <a:extLst>
+              <a:ext uri="{28A0092B-C50C-407E-A947-70E740481C1C}">
+                <a14:useLocalDpi xmlns:a14="http://schemas.microsoft.com/office/drawing/2010/main" val="0"/>
+              </a:ext>
+            </a:extLst>
+          </a:blip>
+          <a:stretch>
+            <a:fillRect/>
+          </a:stretch>
+        </p:blipFill>
+        <p:spPr>
+          <a:xfrm rot="0">
+            <a:off x="6826250" y="3858895"/>
+            <a:ext cx="4115435" cy="1172210"/>
+          </a:xfrm>
+          <a:prstGeom prst="roundRect"/>
+          <a:solidFill>
+            <a:srgbClr val="EDEDED"/>
+          </a:solidFill>
+        </p:spPr>
+      </p:pic>
+      <p:cxnSp>
+        <p:nvCxnSpPr>
+          <p:cNvPr id="93" name="도형 29"/>
+          <p:cNvCxnSpPr/>
+          <p:nvPr/>
+        </p:nvCxnSpPr>
+        <p:spPr>
+          <a:xfrm rot="0" flipV="1">
+            <a:off x="8210550" y="1835150"/>
+            <a:ext cx="2623185" cy="2286635"/>
+          </a:xfrm>
+          <a:prstGeom prst="straightConnector1"/>
+          <a:ln w="6350" cap="flat" cmpd="sng">
+            <a:prstDash/>
+            <a:headEnd type="none" w="med" len="med"/>
+            <a:tailEnd type="triangle" w="med" len="med"/>
+          </a:ln>
+        </p:spPr>
+        <p:style>
+          <a:lnRef idx="1">
+            <a:schemeClr val="accent1"/>
+          </a:lnRef>
+          <a:fillRef idx="0">
+            <a:schemeClr val="accent1"/>
+          </a:fillRef>
+          <a:effectRef idx="0">
+            <a:schemeClr val="accent1"/>
+          </a:effectRef>
+          <a:fontRef idx="minor">
+            <a:schemeClr val="tx1"/>
+          </a:fontRef>
+        </p:style>
+      </p:cxnSp>
+    </p:spTree>
+  </p:cSld>
+  <p:clrMapOvr>
+    <a:masterClrMapping/>
+  </p:clrMapOvr>
+  <mc:AlternateContent xmlns:mc="http://schemas.openxmlformats.org/markup-compatibility/2006">
+    <mc:Choice xmlns:p14="http://schemas.microsoft.com/office/powerpoint/2010/main" Requires="p14">
+      <p:transition spd="slow" p14:dur="1000"/>
+    </mc:Choice>
+    <mc:Fallback>
+      <p:transition spd="slow"/>
+    </mc:Fallback>
+  </mc:AlternateContent>
+  <p:timing>
+    <p:tnLst>
+      <p:par>
+        <p:cTn id="1" dur="indefinite" restart="never" nodeType="tmRoot"/>
+      </p:par>
+    </p:tnLst>
+  </p:timing>
+</p:sld>
+</file>
+
 <file path=ppt/slides/slide2.xml><?xml version="1.0" encoding="utf-8"?>
 <p:sld xmlns:a="http://schemas.openxmlformats.org/drawingml/2006/main" xmlns:r="http://schemas.openxmlformats.org/officeDocument/2006/relationships" xmlns:p="http://schemas.openxmlformats.org/presentationml/2006/main" xmlns:p14="http://schemas.microsoft.com/office/powerpoint/2010/main">
   <p:cSld>
@@ -6084,7 +8718,7 @@
       </p:sp>
       <p:pic>
         <p:nvPicPr>
-          <p:cNvPr id="14" name="그림 19"/>
+          <p:cNvPr id="14" name="그림 19" descr="C:/Users/nwond/AppData/Roaming/PolarisOffice/ETemp/37472_16665336/fImage82892019358.png"/>
           <p:cNvPicPr>
             <a:picLocks noChangeAspect="1"/>
           </p:cNvPicPr>
@@ -6105,7 +8739,7 @@
         <p:spPr>
           <a:xfrm rot="0">
             <a:off x="1235075" y="1461770"/>
-            <a:ext cx="2792095" cy="3858260"/>
+            <a:ext cx="2792730" cy="3987165"/>
           </a:xfrm>
           <a:prstGeom prst="roundRect"/>
           <a:solidFill>
@@ -6304,17 +8938,17 @@
       </p:pic>
       <p:pic>
         <p:nvPicPr>
-          <p:cNvPr id="23" name="그림 27" descr="C:/Users/nwond/AppData/Roaming/PolarisOffice/ETemp/43056_11270608/fImage217218241.png"/>
+          <p:cNvPr id="23" name="그림 27" descr="C:/Users/nwond/AppData/Roaming/PolarisOffice/ETemp/37472_16665336/fImage217218241.png"/>
           <p:cNvPicPr>
             <a:picLocks noChangeAspect="1"/>
           </p:cNvPicPr>
           <p:nvPr/>
         </p:nvPicPr>
         <p:blipFill rotWithShape="1">
-          <a:blip r:embed="rId14" cstate="print">
+          <a:blip r:embed="rId14" cstate="hqprint">
             <a:extLst>
               <a:ext uri="{28A0092B-C50C-407E-A947-70E740481C1C}">
-                <a14:useLocalDpi xmlns:a14="http://schemas.microsoft.com/office/drawing/2010/main" val="0"/>
+                <a14:useLocalDpi xmlns:a14="http://schemas.microsoft.com/office/drawing/2010/main"/>
               </a:ext>
             </a:extLst>
           </a:blip>
@@ -6325,7 +8959,7 @@
         <p:spPr>
           <a:xfrm rot="0">
             <a:off x="4281805" y="2801620"/>
-            <a:ext cx="1087120" cy="1258570"/>
+            <a:ext cx="1087755" cy="1259205"/>
           </a:xfrm>
           <a:prstGeom prst="roundRect"/>
           <a:solidFill>
@@ -6335,7 +8969,7 @@
       </p:pic>
       <p:pic>
         <p:nvPicPr>
-          <p:cNvPr id="15" name="그림 20"/>
+          <p:cNvPr id="15" name="그림 20" descr="C:/Users/nwond/AppData/Roaming/PolarisOffice/ETemp/37472_16665336/fImage2242172024464.png"/>
           <p:cNvPicPr>
             <a:picLocks noChangeAspect="1"/>
           </p:cNvPicPr>
@@ -6355,8 +8989,8 @@
         </p:blipFill>
         <p:spPr>
           <a:xfrm rot="0">
-            <a:off x="3543935" y="3156585"/>
-            <a:ext cx="1158240" cy="553720"/>
+            <a:off x="3588385" y="3156585"/>
+            <a:ext cx="1158875" cy="554355"/>
           </a:xfrm>
           <a:prstGeom prst="rect"/>
           <a:noFill/>
@@ -6598,7 +9232,7 @@
       </p:sp>
       <p:pic>
         <p:nvPicPr>
-          <p:cNvPr id="40" name="그림 34" descr="C:/Users/nwond/AppData/Roaming/PolarisOffice/ETemp/53136_9877504/fImage118311629358.png"/>
+          <p:cNvPr id="40" name="그림 34"/>
           <p:cNvPicPr>
             <a:picLocks noChangeAspect="1"/>
           </p:cNvPicPr>
@@ -6772,7 +9406,7 @@
       </p:sp>
       <p:pic>
         <p:nvPicPr>
-          <p:cNvPr id="48" name="그림 92" descr="C:/Users/nwond/AppData/Roaming/PolarisOffice/ETemp/53136_9877504/fImage8382821941.png"/>
+          <p:cNvPr id="48" name="그림 92" descr="C:/Users/nwond/AppData/Roaming/PolarisOffice/ETemp/9148_20056000/fImage8382821941.png"/>
           <p:cNvPicPr>
             <a:picLocks noChangeAspect="1"/>
           </p:cNvPicPr>
@@ -6792,8 +9426,8 @@
         </p:blipFill>
         <p:spPr>
           <a:xfrm rot="0">
-            <a:off x="1241425" y="3940810"/>
-            <a:ext cx="4133850" cy="1360170"/>
+            <a:off x="1253490" y="3923030"/>
+            <a:ext cx="4122420" cy="1402715"/>
           </a:xfrm>
           <a:prstGeom prst="roundRect"/>
           <a:solidFill>
@@ -7737,7 +10371,7 @@
       </p:sp>
       <p:pic>
         <p:nvPicPr>
-          <p:cNvPr id="77" name="그림 10" descr="C:/Users/nwond/AppData/Roaming/PolarisOffice/ETemp/43056_11270608/fImage421641738467.png"/>
+          <p:cNvPr id="77" name="그림 10" descr="C:/Users/nwond/AppData/Roaming/PolarisOffice/ETemp/9148_20056000/fImage421641738467.png"/>
           <p:cNvPicPr>
             <a:picLocks noChangeAspect="1"/>
           </p:cNvPicPr>
@@ -7757,8 +10391,8 @@
         </p:blipFill>
         <p:spPr>
           <a:xfrm rot="0">
-            <a:off x="1241425" y="1452245"/>
-            <a:ext cx="4139565" cy="3768090"/>
+            <a:off x="1235075" y="1445895"/>
+            <a:ext cx="4140200" cy="3811270"/>
           </a:xfrm>
           <a:prstGeom prst="roundRect"/>
           <a:solidFill>
@@ -7866,7 +10500,7 @@
       </p:sp>
       <p:pic>
         <p:nvPicPr>
-          <p:cNvPr id="79" name="그림 12" descr="C:/Users/nwond/AppData/Roaming/PolarisOffice/ETemp/43056_11270608/fImage75691756334.png"/>
+          <p:cNvPr id="79" name="그림 12"/>
           <p:cNvPicPr>
             <a:picLocks noChangeAspect="1"/>
           </p:cNvPicPr>
@@ -7897,7 +10531,7 @@
       </p:pic>
       <p:pic>
         <p:nvPicPr>
-          <p:cNvPr id="80" name="그림 53" descr="C:/Users/nwond/AppData/Roaming/PolarisOffice/ETemp/43056_11270608/fImage76701926500.png"/>
+          <p:cNvPr id="80" name="그림 53"/>
           <p:cNvPicPr>
             <a:picLocks noChangeAspect="1"/>
           </p:cNvPicPr>
@@ -8037,7 +10671,7 @@
         <p:spPr>
           <a:xfrm rot="0">
             <a:off x="1229995" y="5581650"/>
-            <a:ext cx="4138930" cy="677545"/>
+            <a:ext cx="4145280" cy="677545"/>
           </a:xfrm>
           <a:prstGeom prst="rect"/>
           <a:noFill/>
@@ -8064,17 +10698,7 @@
                 <a:latin typeface="맑은 고딕" charset="0"/>
                 <a:ea typeface="맑은 고딕" charset="0"/>
               </a:rPr>
-              <a:t>1</a:t>
-            </a:r>
-            <a:r>
-              <a:rPr lang="ko-KR" sz="2000" b="1">
-                <a:solidFill>
-                  <a:srgbClr val="0611F2"/>
-                </a:solidFill>
-                <a:latin typeface="맑은 고딕" charset="0"/>
-                <a:ea typeface="맑은 고딕" charset="0"/>
-              </a:rPr>
-              <a:t>3</a:t>
+              <a:t>13</a:t>
             </a:r>
             <a:r>
               <a:rPr sz="2000" b="1">
@@ -8098,70 +10722,7 @@
                 <a:latin typeface="맑은 고딕" charset="0"/>
                 <a:ea typeface="맑은 고딕" charset="0"/>
               </a:rPr>
-              <a:t>그리고 </a:t>
-            </a:r>
-            <a:r>
-              <a:rPr lang="ko-KR" sz="1800">
-                <a:latin typeface="맑은 고딕" charset="0"/>
-                <a:ea typeface="맑은 고딕" charset="0"/>
-              </a:rPr>
-              <a:t>Ca</a:t>
-            </a:r>
-            <a:r>
-              <a:rPr lang="ko-KR" sz="1800">
-                <a:latin typeface="맑은 고딕" charset="0"/>
-                <a:ea typeface="맑은 고딕" charset="0"/>
-              </a:rPr>
-              <a:t>m</a:t>
-            </a:r>
-            <a:r>
-              <a:rPr lang="ko-KR" sz="1800">
-                <a:latin typeface="맑은 고딕" charset="0"/>
-                <a:ea typeface="맑은 고딕" charset="0"/>
-              </a:rPr>
-              <a:t>era</a:t>
-            </a:r>
-            <a:r>
-              <a:rPr lang="ko-KR" sz="1800">
-                <a:latin typeface="맑은 고딕" charset="0"/>
-                <a:ea typeface="맑은 고딕" charset="0"/>
-              </a:rPr>
-              <a:t> </a:t>
-            </a:r>
-            <a:r>
-              <a:rPr lang="ko-KR" sz="1800">
-                <a:latin typeface="맑은 고딕" charset="0"/>
-                <a:ea typeface="맑은 고딕" charset="0"/>
-              </a:rPr>
-              <a:t>오브젝트의 </a:t>
-            </a:r>
-            <a:r>
-              <a:rPr lang="ko-KR" sz="1800">
-                <a:latin typeface="맑은 고딕" charset="0"/>
-                <a:ea typeface="맑은 고딕" charset="0"/>
-              </a:rPr>
-              <a:t>위치와 </a:t>
-            </a:r>
-            <a:r>
-              <a:rPr lang="ko-KR" sz="1800">
-                <a:latin typeface="맑은 고딕" charset="0"/>
-                <a:ea typeface="맑은 고딕" charset="0"/>
-              </a:rPr>
-              <a:t>회전</a:t>
-            </a:r>
-            <a:r>
-              <a:rPr lang="ko-KR" sz="1800">
-                <a:latin typeface="맑은 고딕" charset="0"/>
-                <a:ea typeface="맑은 고딕" charset="0"/>
-              </a:rPr>
-              <a:t> </a:t>
-            </a:r>
-            <a:r>
-              <a:rPr lang="ko-KR" sz="1800">
-                <a:latin typeface="맑은 고딕" charset="0"/>
-                <a:ea typeface="맑은 고딕" charset="0"/>
-              </a:rPr>
-              <a:t>값을 초기화합니다.</a:t>
+              <a:t>그리고 Camera 오브젝트의 위치와 회전 값을 초기화합니다.</a:t>
             </a:r>
             <a:endParaRPr lang="ko-KR" altLang="en-US" sz="1800">
               <a:latin typeface="맑은 고딕" charset="0"/>
@@ -8285,10 +10846,10 @@
           <p:nvPr/>
         </p:nvPicPr>
         <p:blipFill rotWithShape="1">
-          <a:blip r:embed="rId2" cstate="print">
+          <a:blip r:embed="rId2" cstate="hqprint">
             <a:extLst>
               <a:ext uri="{28A0092B-C50C-407E-A947-70E740481C1C}">
-                <a14:useLocalDpi xmlns:a14="http://schemas.microsoft.com/office/drawing/2010/main" val="0"/>
+                <a14:useLocalDpi xmlns:a14="http://schemas.microsoft.com/office/drawing/2010/main"/>
               </a:ext>
             </a:extLst>
           </a:blip>
@@ -8299,7 +10860,7 @@
         <p:spPr>
           <a:xfrm rot="0">
             <a:off x="1228725" y="1458595"/>
-            <a:ext cx="4146550" cy="1788160"/>
+            <a:ext cx="4147185" cy="1800225"/>
           </a:xfrm>
           <a:prstGeom prst="roundRect"/>
           <a:solidFill>
@@ -8406,17 +10967,17 @@
       </p:sp>
       <p:pic>
         <p:nvPicPr>
-          <p:cNvPr id="84" name="그림 56"/>
+          <p:cNvPr id="84" name="그림 56" descr="C:/Users/nwond/AppData/Roaming/PolarisOffice/ETemp/37472_16665336/fImage109601935724.png"/>
           <p:cNvPicPr>
             <a:picLocks noChangeAspect="1"/>
           </p:cNvPicPr>
           <p:nvPr/>
         </p:nvPicPr>
         <p:blipFill rotWithShape="1">
-          <a:blip r:embed="rId3" cstate="print">
+          <a:blip r:embed="rId3" cstate="hqprint">
             <a:extLst>
               <a:ext uri="{28A0092B-C50C-407E-A947-70E740481C1C}">
-                <a14:useLocalDpi xmlns:a14="http://schemas.microsoft.com/office/drawing/2010/main" val="0"/>
+                <a14:useLocalDpi xmlns:a14="http://schemas.microsoft.com/office/drawing/2010/main"/>
               </a:ext>
             </a:extLst>
           </a:blip>
@@ -8426,8 +10987,8 @@
         </p:blipFill>
         <p:spPr>
           <a:xfrm rot="0">
-            <a:off x="1228090" y="3912870"/>
-            <a:ext cx="4147185" cy="1685290"/>
+            <a:off x="1228090" y="3909695"/>
+            <a:ext cx="4147820" cy="1695450"/>
           </a:xfrm>
           <a:prstGeom prst="roundRect"/>
           <a:solidFill>
@@ -9042,6 +11603,547 @@
 </file>
 
 <file path=ppt/slides/slide8.xml><?xml version="1.0" encoding="utf-8"?>
+<p:sld xmlns:a="http://schemas.openxmlformats.org/drawingml/2006/main" xmlns:r="http://schemas.openxmlformats.org/officeDocument/2006/relationships" xmlns:p="http://schemas.openxmlformats.org/presentationml/2006/main" xmlns:p14="http://schemas.microsoft.com/office/powerpoint/2010/main">
+  <p:cSld>
+    <p:spTree>
+      <p:nvGrpSpPr>
+        <p:cNvPr id="1" name=""/>
+        <p:cNvGrpSpPr/>
+        <p:nvPr/>
+      </p:nvGrpSpPr>
+      <p:grpSpPr>
+        <a:xfrm>
+          <a:off x="0" y="0"/>
+          <a:ext cx="0" cy="0"/>
+          <a:chOff x="0" y="0"/>
+          <a:chExt cx="0" cy="0"/>
+        </a:xfrm>
+      </p:grpSpPr>
+      <p:sp>
+        <p:nvSpPr>
+          <p:cNvPr id="3" name="Rect 0"/>
+          <p:cNvSpPr txBox="1">
+            <a:spLocks/>
+          </p:cNvSpPr>
+          <p:nvPr/>
+        </p:nvSpPr>
+        <p:spPr>
+          <a:xfrm rot="0">
+            <a:off x="4340860" y="447040"/>
+            <a:ext cx="3515995" cy="478155"/>
+          </a:xfrm>
+          <a:prstGeom prst="rect"/>
+          <a:noFill/>
+          <a:ln w="0">
+            <a:noFill/>
+            <a:prstDash/>
+          </a:ln>
+        </p:spPr>
+        <p:txBody>
+          <a:bodyPr wrap="square" lIns="89535" tIns="46355" rIns="89535" bIns="46355" numCol="1" vert="horz" anchor="t">
+            <a:spAutoFit/>
+          </a:bodyPr>
+          <a:lstStyle/>
+          <a:p>
+            <a:pPr marL="0" indent="0" rtl="0" algn="ctr" defTabSz="914400" eaLnBrk="1" latinLnBrk="0" hangingPunct="1">
+              <a:buFontTx/>
+              <a:buNone/>
+            </a:pPr>
+            <a:r>
+              <a:rPr lang="ko-KR" sz="2500" b="1">
+                <a:solidFill>
+                  <a:schemeClr val="tx1"/>
+                </a:solidFill>
+                <a:latin typeface="나눔바른고딕" charset="0"/>
+                <a:ea typeface="나눔바른고딕" charset="0"/>
+              </a:rPr>
+              <a:t>여덟</a:t>
+            </a:r>
+            <a:r>
+              <a:rPr lang="ko-KR" sz="2500" b="1">
+                <a:solidFill>
+                  <a:schemeClr val="tx1"/>
+                </a:solidFill>
+                <a:latin typeface="나눔바른고딕" charset="0"/>
+                <a:ea typeface="나눔바른고딕" charset="0"/>
+              </a:rPr>
+              <a:t> 번째 튜토리얼</a:t>
+            </a:r>
+            <a:endParaRPr lang="ko-KR" altLang="en-US" sz="2500" b="1">
+              <a:solidFill>
+                <a:schemeClr val="tx1"/>
+              </a:solidFill>
+              <a:latin typeface="나눔바른고딕" charset="0"/>
+              <a:ea typeface="나눔바른고딕" charset="0"/>
+            </a:endParaRPr>
+          </a:p>
+        </p:txBody>
+      </p:sp>
+      <p:sp>
+        <p:nvSpPr>
+          <p:cNvPr id="56" name="Rect 0"/>
+          <p:cNvSpPr txBox="1">
+            <a:spLocks/>
+          </p:cNvSpPr>
+          <p:nvPr/>
+        </p:nvSpPr>
+        <p:spPr>
+          <a:xfrm rot="0">
+            <a:off x="1241425" y="5314315"/>
+            <a:ext cx="4133850" cy="954405"/>
+          </a:xfrm>
+          <a:prstGeom prst="rect"/>
+          <a:noFill/>
+          <a:ln w="0">
+            <a:noFill/>
+            <a:prstDash/>
+          </a:ln>
+        </p:spPr>
+        <p:txBody>
+          <a:bodyPr wrap="square" lIns="89535" tIns="46355" rIns="89535" bIns="46355" numCol="1" vert="horz" anchor="t">
+            <a:spAutoFit/>
+          </a:bodyPr>
+          <a:lstStyle/>
+          <a:p>
+            <a:pPr marL="0" indent="0" rtl="0" algn="l" defTabSz="914400" eaLnBrk="1" latinLnBrk="0" hangingPunct="1">
+              <a:buFontTx/>
+              <a:buNone/>
+            </a:pPr>
+            <a:r>
+              <a:rPr sz="2000" b="1">
+                <a:solidFill>
+                  <a:srgbClr val="0611F2"/>
+                </a:solidFill>
+                <a:latin typeface="맑은 고딕" charset="0"/>
+                <a:ea typeface="맑은 고딕" charset="0"/>
+              </a:rPr>
+              <a:t>1</a:t>
+            </a:r>
+            <a:r>
+              <a:rPr sz="2000" b="1">
+                <a:solidFill>
+                  <a:srgbClr val="0611F2"/>
+                </a:solidFill>
+                <a:latin typeface="맑은 고딕" charset="0"/>
+                <a:ea typeface="맑은 고딕" charset="0"/>
+              </a:rPr>
+              <a:t>7</a:t>
+            </a:r>
+            <a:r>
+              <a:rPr sz="2000" b="1">
+                <a:solidFill>
+                  <a:srgbClr val="0611F2"/>
+                </a:solidFill>
+                <a:latin typeface="맑은 고딕" charset="0"/>
+                <a:ea typeface="맑은 고딕" charset="0"/>
+              </a:rPr>
+              <a:t>. </a:t>
+            </a:r>
+            <a:r>
+              <a:rPr lang="ko-KR" sz="1800">
+                <a:latin typeface="맑은 고딕" charset="0"/>
+                <a:ea typeface="맑은 고딕" charset="0"/>
+              </a:rPr>
+              <a:t>그</a:t>
+            </a:r>
+            <a:r>
+              <a:rPr lang="ko-KR" sz="1800">
+                <a:latin typeface="맑은 고딕" charset="0"/>
+                <a:ea typeface="맑은 고딕" charset="0"/>
+              </a:rPr>
+              <a:t>리고 </a:t>
+            </a:r>
+            <a:r>
+              <a:rPr lang="ko-KR" sz="1800">
+                <a:latin typeface="맑은 고딕" charset="0"/>
+                <a:ea typeface="맑은 고딕" charset="0"/>
+              </a:rPr>
+              <a:t>C</a:t>
+            </a:r>
+            <a:r>
+              <a:rPr lang="ko-KR" sz="1800">
+                <a:latin typeface="맑은 고딕" charset="0"/>
+                <a:ea typeface="맑은 고딕" charset="0"/>
+              </a:rPr>
+              <a:t>a</a:t>
+            </a:r>
+            <a:r>
+              <a:rPr lang="ko-KR" sz="1800">
+                <a:latin typeface="맑은 고딕" charset="0"/>
+                <a:ea typeface="맑은 고딕" charset="0"/>
+              </a:rPr>
+              <a:t>mera 오브젝트에 있는 C</a:t>
+            </a:r>
+            <a:r>
+              <a:rPr lang="ko-KR" sz="1800">
+                <a:latin typeface="맑은 고딕" charset="0"/>
+                <a:ea typeface="맑은 고딕" charset="0"/>
+              </a:rPr>
+              <a:t>l</a:t>
+            </a:r>
+            <a:r>
+              <a:rPr lang="ko-KR" sz="1800">
+                <a:latin typeface="맑은 고딕" charset="0"/>
+                <a:ea typeface="맑은 고딕" charset="0"/>
+              </a:rPr>
+              <a:t>ear F</a:t>
+            </a:r>
+            <a:r>
+              <a:rPr lang="ko-KR" sz="1800">
+                <a:latin typeface="맑은 고딕" charset="0"/>
+                <a:ea typeface="맑은 고딕" charset="0"/>
+              </a:rPr>
+              <a:t>l</a:t>
+            </a:r>
+            <a:r>
+              <a:rPr lang="ko-KR" sz="1800">
+                <a:latin typeface="맑은 고딕" charset="0"/>
+                <a:ea typeface="맑은 고딕" charset="0"/>
+              </a:rPr>
+              <a:t>a</a:t>
+            </a:r>
+            <a:r>
+              <a:rPr lang="ko-KR" sz="1800">
+                <a:latin typeface="맑은 고딕" charset="0"/>
+                <a:ea typeface="맑은 고딕" charset="0"/>
+              </a:rPr>
+              <a:t>g</a:t>
+            </a:r>
+            <a:r>
+              <a:rPr lang="ko-KR" sz="1800">
+                <a:latin typeface="맑은 고딕" charset="0"/>
+                <a:ea typeface="맑은 고딕" charset="0"/>
+              </a:rPr>
+              <a:t>s 속</a:t>
+            </a:r>
+            <a:r>
+              <a:rPr lang="ko-KR" sz="1800">
+                <a:latin typeface="맑은 고딕" charset="0"/>
+                <a:ea typeface="맑은 고딕" charset="0"/>
+              </a:rPr>
+              <a:t>성에 </a:t>
+            </a:r>
+            <a:r>
+              <a:rPr lang="ko-KR" sz="1800">
+                <a:latin typeface="맑은 고딕" charset="0"/>
+                <a:ea typeface="맑은 고딕" charset="0"/>
+              </a:rPr>
+              <a:t>S</a:t>
+            </a:r>
+            <a:r>
+              <a:rPr lang="ko-KR" sz="1800">
+                <a:latin typeface="맑은 고딕" charset="0"/>
+                <a:ea typeface="맑은 고딕" charset="0"/>
+              </a:rPr>
+              <a:t>o</a:t>
+            </a:r>
+            <a:r>
+              <a:rPr lang="ko-KR" sz="1800">
+                <a:latin typeface="맑은 고딕" charset="0"/>
+                <a:ea typeface="맑은 고딕" charset="0"/>
+              </a:rPr>
+              <a:t>lid Color를 설정합니다.</a:t>
+            </a:r>
+            <a:endParaRPr lang="ko-KR" altLang="en-US" sz="1800">
+              <a:latin typeface="맑은 고딕" charset="0"/>
+              <a:ea typeface="맑은 고딕" charset="0"/>
+            </a:endParaRPr>
+          </a:p>
+        </p:txBody>
+      </p:sp>
+      <p:pic>
+        <p:nvPicPr>
+          <p:cNvPr id="62" name="그림 42"/>
+          <p:cNvPicPr>
+            <a:picLocks noChangeAspect="1"/>
+          </p:cNvPicPr>
+          <p:nvPr/>
+        </p:nvPicPr>
+        <p:blipFill rotWithShape="1">
+          <a:blip r:embed="rId2" cstate="print">
+            <a:extLst>
+              <a:ext uri="{28A0092B-C50C-407E-A947-70E740481C1C}">
+                <a14:useLocalDpi xmlns:a14="http://schemas.microsoft.com/office/drawing/2010/main" val="0"/>
+              </a:ext>
+            </a:extLst>
+          </a:blip>
+          <a:stretch>
+            <a:fillRect/>
+          </a:stretch>
+        </p:blipFill>
+        <p:spPr>
+          <a:xfrm rot="0">
+            <a:off x="1241425" y="1452245"/>
+            <a:ext cx="4139565" cy="3817620"/>
+          </a:xfrm>
+          <a:prstGeom prst="roundRect"/>
+          <a:solidFill>
+            <a:srgbClr val="EDEDED"/>
+          </a:solidFill>
+        </p:spPr>
+      </p:pic>
+      <p:sp>
+        <p:nvSpPr>
+          <p:cNvPr id="63" name="텍스트 상자 45"/>
+          <p:cNvSpPr txBox="1">
+            <a:spLocks/>
+          </p:cNvSpPr>
+          <p:nvPr/>
+        </p:nvSpPr>
+        <p:spPr>
+          <a:xfrm rot="0">
+            <a:off x="6826885" y="5589905"/>
+            <a:ext cx="4114800" cy="677545"/>
+          </a:xfrm>
+          <a:prstGeom prst="rect"/>
+          <a:noFill/>
+          <a:ln w="0">
+            <a:noFill/>
+            <a:prstDash/>
+          </a:ln>
+        </p:spPr>
+        <p:txBody>
+          <a:bodyPr wrap="square" lIns="89535" tIns="46355" rIns="89535" bIns="46355" numCol="1" vert="horz" anchor="t">
+            <a:spAutoFit/>
+          </a:bodyPr>
+          <a:lstStyle/>
+          <a:p>
+            <a:pPr marL="0" indent="0" rtl="0" algn="l" defTabSz="914400" eaLnBrk="1" latinLnBrk="0" hangingPunct="1">
+              <a:buFontTx/>
+              <a:buNone/>
+            </a:pPr>
+            <a:r>
+              <a:rPr sz="2000" b="1">
+                <a:solidFill>
+                  <a:srgbClr val="0611F2"/>
+                </a:solidFill>
+                <a:latin typeface="맑은 고딕" charset="0"/>
+                <a:ea typeface="맑은 고딕" charset="0"/>
+              </a:rPr>
+              <a:t>1</a:t>
+            </a:r>
+            <a:r>
+              <a:rPr lang="ko-KR" sz="2000" b="1">
+                <a:solidFill>
+                  <a:srgbClr val="0611F2"/>
+                </a:solidFill>
+                <a:latin typeface="맑은 고딕" charset="0"/>
+                <a:ea typeface="맑은 고딕" charset="0"/>
+              </a:rPr>
+              <a:t>9</a:t>
+            </a:r>
+            <a:r>
+              <a:rPr sz="2000" b="1">
+                <a:solidFill>
+                  <a:srgbClr val="0611F2"/>
+                </a:solidFill>
+                <a:latin typeface="맑은 고딕" charset="0"/>
+                <a:ea typeface="맑은 고딕" charset="0"/>
+              </a:rPr>
+              <a:t>. </a:t>
+            </a:r>
+            <a:r>
+              <a:rPr lang="ko-KR" sz="1800">
+                <a:latin typeface="맑은 고딕" charset="0"/>
+                <a:ea typeface="맑은 고딕" charset="0"/>
+              </a:rPr>
+              <a:t>그다음으로 </a:t>
+            </a:r>
+            <a:r>
+              <a:rPr lang="ko-KR" sz="1800">
+                <a:latin typeface="맑은 고딕" charset="0"/>
+                <a:ea typeface="맑은 고딕" charset="0"/>
+              </a:rPr>
+              <a:t>Camera 오브젝트에 있는 Audio Listener</a:t>
+            </a:r>
+            <a:r>
+              <a:rPr lang="ko-KR" sz="1800">
+                <a:latin typeface="맑은 고딕" charset="0"/>
+                <a:ea typeface="맑은 고딕" charset="0"/>
+              </a:rPr>
+              <a:t>를 </a:t>
+            </a:r>
+            <a:r>
+              <a:rPr lang="ko-KR" sz="1800">
+                <a:latin typeface="맑은 고딕" charset="0"/>
+                <a:ea typeface="맑은 고딕" charset="0"/>
+              </a:rPr>
+              <a:t>삭</a:t>
+            </a:r>
+            <a:r>
+              <a:rPr lang="ko-KR" sz="1800">
+                <a:latin typeface="맑은 고딕" charset="0"/>
+                <a:ea typeface="맑은 고딕" charset="0"/>
+              </a:rPr>
+              <a:t>제합니다.</a:t>
+            </a:r>
+            <a:endParaRPr lang="ko-KR" altLang="en-US" sz="1800">
+              <a:latin typeface="맑은 고딕" charset="0"/>
+              <a:ea typeface="맑은 고딕" charset="0"/>
+            </a:endParaRPr>
+          </a:p>
+        </p:txBody>
+      </p:sp>
+      <p:sp>
+        <p:nvSpPr>
+          <p:cNvPr id="64" name="텍스트 상자 46"/>
+          <p:cNvSpPr txBox="1">
+            <a:spLocks/>
+          </p:cNvSpPr>
+          <p:nvPr/>
+        </p:nvSpPr>
+        <p:spPr>
+          <a:xfrm rot="0">
+            <a:off x="6820535" y="3219450"/>
+            <a:ext cx="4140200" cy="678180"/>
+          </a:xfrm>
+          <a:prstGeom prst="rect"/>
+          <a:noFill/>
+          <a:ln w="0">
+            <a:noFill/>
+            <a:prstDash/>
+          </a:ln>
+        </p:spPr>
+        <p:txBody>
+          <a:bodyPr wrap="square" lIns="89535" tIns="46355" rIns="89535" bIns="46355" numCol="1" vert="horz" anchor="t">
+            <a:spAutoFit/>
+          </a:bodyPr>
+          <a:lstStyle/>
+          <a:p>
+            <a:pPr marL="0" indent="0" rtl="0" algn="l" defTabSz="914400" eaLnBrk="1" latinLnBrk="0" hangingPunct="1">
+              <a:buFontTx/>
+              <a:buNone/>
+            </a:pPr>
+            <a:r>
+              <a:rPr sz="2000" b="1">
+                <a:solidFill>
+                  <a:srgbClr val="0611F2"/>
+                </a:solidFill>
+                <a:latin typeface="맑은 고딕" charset="0"/>
+                <a:ea typeface="맑은 고딕" charset="0"/>
+              </a:rPr>
+              <a:t>1</a:t>
+            </a:r>
+            <a:r>
+              <a:rPr lang="ko-KR" sz="2000" b="1">
+                <a:solidFill>
+                  <a:srgbClr val="0611F2"/>
+                </a:solidFill>
+                <a:latin typeface="맑은 고딕" charset="0"/>
+                <a:ea typeface="맑은 고딕" charset="0"/>
+              </a:rPr>
+              <a:t>8</a:t>
+            </a:r>
+            <a:r>
+              <a:rPr sz="2000" b="1">
+                <a:solidFill>
+                  <a:srgbClr val="0611F2"/>
+                </a:solidFill>
+                <a:latin typeface="맑은 고딕" charset="0"/>
+                <a:ea typeface="맑은 고딕" charset="0"/>
+              </a:rPr>
+              <a:t>. </a:t>
+            </a:r>
+            <a:r>
+              <a:rPr lang="ko-KR" sz="1800">
+                <a:latin typeface="맑은 고딕" charset="0"/>
+                <a:ea typeface="맑은 고딕" charset="0"/>
+              </a:rPr>
+              <a:t>그런 다음 Render Texture 오브젝트의 크기를 설정합니다.</a:t>
+            </a:r>
+            <a:endParaRPr lang="ko-KR" altLang="en-US" sz="1800">
+              <a:latin typeface="맑은 고딕" charset="0"/>
+              <a:ea typeface="맑은 고딕" charset="0"/>
+            </a:endParaRPr>
+          </a:p>
+        </p:txBody>
+      </p:sp>
+      <p:pic>
+        <p:nvPicPr>
+          <p:cNvPr id="65" name="그림 48" descr="C:/Users/nwond/AppData/Roaming/PolarisOffice/ETemp/28292_18516504/fImage111812006500.png"/>
+          <p:cNvPicPr>
+            <a:picLocks noChangeAspect="1"/>
+          </p:cNvPicPr>
+          <p:nvPr/>
+        </p:nvPicPr>
+        <p:blipFill rotWithShape="1">
+          <a:blip r:embed="rId3" cstate="hqprint">
+            <a:extLst>
+              <a:ext uri="{28A0092B-C50C-407E-A947-70E740481C1C}">
+                <a14:useLocalDpi xmlns:a14="http://schemas.microsoft.com/office/drawing/2010/main"/>
+              </a:ext>
+            </a:extLst>
+          </a:blip>
+          <a:stretch>
+            <a:fillRect/>
+          </a:stretch>
+        </p:blipFill>
+        <p:spPr>
+          <a:xfrm rot="0">
+            <a:off x="6812915" y="1446530"/>
+            <a:ext cx="4135755" cy="1781810"/>
+          </a:xfrm>
+          <a:prstGeom prst="roundRect"/>
+          <a:solidFill>
+            <a:srgbClr val="EDEDED"/>
+          </a:solidFill>
+        </p:spPr>
+      </p:pic>
+      <p:pic>
+        <p:nvPicPr>
+          <p:cNvPr id="66" name="그림 59"/>
+          <p:cNvPicPr>
+            <a:picLocks noChangeAspect="1"/>
+          </p:cNvPicPr>
+          <p:nvPr/>
+        </p:nvPicPr>
+        <p:blipFill rotWithShape="1">
+          <a:blip r:embed="rId4" cstate="print">
+            <a:extLst>
+              <a:ext uri="{28A0092B-C50C-407E-A947-70E740481C1C}">
+                <a14:useLocalDpi xmlns:a14="http://schemas.microsoft.com/office/drawing/2010/main" val="0"/>
+              </a:ext>
+            </a:extLst>
+          </a:blip>
+          <a:stretch>
+            <a:fillRect/>
+          </a:stretch>
+        </p:blipFill>
+        <p:spPr>
+          <a:xfrm rot="0">
+            <a:off x="6820535" y="3897630"/>
+            <a:ext cx="4127500" cy="1688465"/>
+          </a:xfrm>
+          <a:prstGeom prst="roundRect"/>
+          <a:solidFill>
+            <a:srgbClr val="EDEDED"/>
+          </a:solidFill>
+        </p:spPr>
+      </p:pic>
+    </p:spTree>
+  </p:cSld>
+  <p:clrMapOvr>
+    <a:masterClrMapping/>
+  </p:clrMapOvr>
+  <mc:AlternateContent xmlns:mc="http://schemas.openxmlformats.org/markup-compatibility/2006">
+    <mc:Choice xmlns:p14="http://schemas.microsoft.com/office/powerpoint/2010/main" Requires="p14">
+      <p:transition spd="slow" p14:dur="1000"/>
+    </mc:Choice>
+    <mc:Fallback>
+      <p:transition spd="slow"/>
+    </mc:Fallback>
+  </mc:AlternateContent>
+  <p:timing>
+    <p:tnLst>
+      <p:par>
+        <p:cTn id="1" dur="indefinite" restart="never" nodeType="tmRoot"/>
+      </p:par>
+    </p:tnLst>
+  </p:timing>
+</p:sld>
+</file>
+
+<file path=ppt/slides/slide9.xml><?xml version="1.0" encoding="utf-8"?>
 <p:sld xmlns:a="http://schemas.openxmlformats.org/drawingml/2006/main" xmlns:r="http://schemas.openxmlformats.org/officeDocument/2006/relationships" xmlns:p="http://schemas.openxmlformats.org/presentationml/2006/main">
   <p:cSld>
     <p:spTree>
@@ -9069,7 +12171,7 @@
         <p:spPr>
           <a:xfrm rot="0">
             <a:off x="4340860" y="447040"/>
-            <a:ext cx="3515995" cy="478155"/>
+            <a:ext cx="3516630" cy="478155"/>
           </a:xfrm>
           <a:prstGeom prst="rect"/>
           <a:noFill/>
@@ -9096,7 +12198,7 @@
                 <a:latin typeface="나눔바른고딕" charset="0"/>
                 <a:ea typeface="나눔바른고딕" charset="0"/>
               </a:rPr>
-              <a:t>여덟</a:t>
+              <a:t>아홉</a:t>
             </a:r>
             <a:r>
               <a:rPr lang="ko-KR" sz="2500" b="1">
@@ -9120,7 +12222,7 @@
       </p:sp>
       <p:sp>
         <p:nvSpPr>
-          <p:cNvPr id="56" name="Rect 0"/>
+          <p:cNvPr id="63" name="Rect 0"/>
           <p:cNvSpPr txBox="1">
             <a:spLocks/>
           </p:cNvSpPr>
@@ -9128,8 +12230,8 @@
         </p:nvSpPr>
         <p:spPr>
           <a:xfrm rot="0">
-            <a:off x="1241425" y="5314315"/>
-            <a:ext cx="4133850" cy="954405"/>
+            <a:off x="6820535" y="5316855"/>
+            <a:ext cx="4121150" cy="954405"/>
           </a:xfrm>
           <a:prstGeom prst="rect"/>
           <a:noFill/>
@@ -9156,6 +12258,16 @@
                 <a:latin typeface="맑은 고딕" charset="0"/>
                 <a:ea typeface="맑은 고딕" charset="0"/>
               </a:rPr>
+              <a:t>2</a:t>
+            </a:r>
+            <a:r>
+              <a:rPr lang="ko-KR" sz="2000" b="1">
+                <a:solidFill>
+                  <a:srgbClr val="0611F2"/>
+                </a:solidFill>
+                <a:latin typeface="맑은 고딕" charset="0"/>
+                <a:ea typeface="맑은 고딕" charset="0"/>
+              </a:rPr>
               <a:t>1</a:t>
             </a:r>
             <a:r>
@@ -9166,16 +12278,6 @@
                 <a:latin typeface="맑은 고딕" charset="0"/>
                 <a:ea typeface="맑은 고딕" charset="0"/>
               </a:rPr>
-              <a:t>7</a:t>
-            </a:r>
-            <a:r>
-              <a:rPr sz="2000" b="1">
-                <a:solidFill>
-                  <a:srgbClr val="0611F2"/>
-                </a:solidFill>
-                <a:latin typeface="맑은 고딕" charset="0"/>
-                <a:ea typeface="맑은 고딕" charset="0"/>
-              </a:rPr>
               <a:t>. </a:t>
             </a:r>
             <a:r>
@@ -9183,105 +12285,126 @@
                 <a:latin typeface="맑은 고딕" charset="0"/>
                 <a:ea typeface="맑은 고딕" charset="0"/>
               </a:rPr>
-              <a:t>그</a:t>
-            </a:r>
-            <a:r>
-              <a:rPr lang="ko-KR" sz="1800">
-                <a:latin typeface="맑은 고딕" charset="0"/>
-                <a:ea typeface="맑은 고딕" charset="0"/>
-              </a:rPr>
-              <a:t>리고 </a:t>
-            </a:r>
-            <a:r>
-              <a:rPr lang="ko-KR" sz="1800">
-                <a:latin typeface="맑은 고딕" charset="0"/>
-                <a:ea typeface="맑은 고딕" charset="0"/>
-              </a:rPr>
-              <a:t>C</a:t>
-            </a:r>
-            <a:r>
-              <a:rPr lang="ko-KR" sz="1800">
-                <a:latin typeface="맑은 고딕" charset="0"/>
-                <a:ea typeface="맑은 고딕" charset="0"/>
-              </a:rPr>
-              <a:t>a</a:t>
-            </a:r>
-            <a:r>
-              <a:rPr lang="ko-KR" sz="1800">
-                <a:latin typeface="맑은 고딕" charset="0"/>
-                <a:ea typeface="맑은 고딕" charset="0"/>
-              </a:rPr>
-              <a:t>mera 오브젝트에 있는 C</a:t>
-            </a:r>
-            <a:r>
-              <a:rPr lang="ko-KR" sz="1800">
-                <a:latin typeface="맑은 고딕" charset="0"/>
-                <a:ea typeface="맑은 고딕" charset="0"/>
-              </a:rPr>
-              <a:t>l</a:t>
-            </a:r>
-            <a:r>
-              <a:rPr lang="ko-KR" sz="1800">
-                <a:latin typeface="맑은 고딕" charset="0"/>
-                <a:ea typeface="맑은 고딕" charset="0"/>
-              </a:rPr>
-              <a:t>ear F</a:t>
-            </a:r>
-            <a:r>
-              <a:rPr lang="ko-KR" sz="1800">
-                <a:latin typeface="맑은 고딕" charset="0"/>
-                <a:ea typeface="맑은 고딕" charset="0"/>
-              </a:rPr>
-              <a:t>l</a:t>
-            </a:r>
-            <a:r>
-              <a:rPr lang="ko-KR" sz="1800">
-                <a:latin typeface="맑은 고딕" charset="0"/>
-                <a:ea typeface="맑은 고딕" charset="0"/>
-              </a:rPr>
-              <a:t>a</a:t>
-            </a:r>
-            <a:r>
-              <a:rPr lang="ko-KR" sz="1800">
-                <a:latin typeface="맑은 고딕" charset="0"/>
-                <a:ea typeface="맑은 고딕" charset="0"/>
-              </a:rPr>
-              <a:t>g</a:t>
-            </a:r>
-            <a:r>
-              <a:rPr lang="ko-KR" sz="1800">
-                <a:latin typeface="맑은 고딕" charset="0"/>
-                <a:ea typeface="맑은 고딕" charset="0"/>
-              </a:rPr>
-              <a:t>s 속</a:t>
-            </a:r>
-            <a:r>
-              <a:rPr lang="ko-KR" sz="1800">
-                <a:latin typeface="맑은 고딕" charset="0"/>
-                <a:ea typeface="맑은 고딕" charset="0"/>
-              </a:rPr>
-              <a:t>성에 </a:t>
-            </a:r>
-            <a:r>
-              <a:rPr lang="ko-KR" sz="1800">
-                <a:latin typeface="맑은 고딕" charset="0"/>
-                <a:ea typeface="맑은 고딕" charset="0"/>
-              </a:rPr>
-              <a:t>S</a:t>
-            </a:r>
-            <a:r>
-              <a:rPr lang="ko-KR" sz="1800">
-                <a:latin typeface="맑은 고딕" charset="0"/>
-                <a:ea typeface="맑은 고딕" charset="0"/>
-              </a:rPr>
-              <a:t>o</a:t>
-            </a:r>
-            <a:r>
-              <a:rPr lang="ko-KR" sz="1800">
-                <a:latin typeface="맑은 고딕" charset="0"/>
-                <a:ea typeface="맑은 고딕" charset="0"/>
-              </a:rPr>
-              <a:t>lid Color를 설정합니다.</a:t>
+              <a:t>이제</a:t>
+            </a:r>
+            <a:r>
+              <a:rPr lang="ko-KR" sz="1800">
+                <a:latin typeface="맑은 고딕" charset="0"/>
+                <a:ea typeface="맑은 고딕" charset="0"/>
+              </a:rPr>
+              <a:t> </a:t>
+            </a:r>
+            <a:r>
+              <a:rPr lang="ko-KR" sz="1800">
+                <a:latin typeface="맑은 고딕" charset="0"/>
+                <a:ea typeface="맑은 고딕" charset="0"/>
+              </a:rPr>
+              <a:t>R</a:t>
+            </a:r>
+            <a:r>
+              <a:rPr lang="ko-KR" sz="1800">
+                <a:latin typeface="맑은 고딕" charset="0"/>
+                <a:ea typeface="맑은 고딕" charset="0"/>
+              </a:rPr>
+              <a:t>end</a:t>
+            </a:r>
+            <a:r>
+              <a:rPr lang="ko-KR" sz="1800">
+                <a:latin typeface="맑은 고딕" charset="0"/>
+                <a:ea typeface="맑은 고딕" charset="0"/>
+              </a:rPr>
+              <a:t>e</a:t>
+            </a:r>
+            <a:r>
+              <a:rPr lang="ko-KR" sz="1800">
+                <a:latin typeface="맑은 고딕" charset="0"/>
+                <a:ea typeface="맑은 고딕" charset="0"/>
+              </a:rPr>
+              <a:t>r T</a:t>
+            </a:r>
+            <a:r>
+              <a:rPr lang="ko-KR" sz="1800">
+                <a:latin typeface="맑은 고딕" charset="0"/>
+                <a:ea typeface="맑은 고딕" charset="0"/>
+              </a:rPr>
+              <a:t>e</a:t>
+            </a:r>
+            <a:r>
+              <a:rPr lang="ko-KR" sz="1800">
+                <a:latin typeface="맑은 고딕" charset="0"/>
+                <a:ea typeface="맑은 고딕" charset="0"/>
+              </a:rPr>
+              <a:t>x</a:t>
+            </a:r>
+            <a:r>
+              <a:rPr lang="ko-KR" sz="1800">
+                <a:latin typeface="맑은 고딕" charset="0"/>
+                <a:ea typeface="맑은 고딕" charset="0"/>
+              </a:rPr>
+              <a:t>tu</a:t>
+            </a:r>
+            <a:r>
+              <a:rPr lang="ko-KR" sz="1800">
+                <a:latin typeface="맑은 고딕" charset="0"/>
+                <a:ea typeface="맑은 고딕" charset="0"/>
+              </a:rPr>
+              <a:t>re 폴더에 </a:t>
+            </a:r>
+            <a:r>
+              <a:rPr lang="ko-KR" sz="1800">
+                <a:latin typeface="맑은 고딕" charset="0"/>
+                <a:ea typeface="맑은 고딕" charset="0"/>
+              </a:rPr>
+              <a:t>N</a:t>
+            </a:r>
+            <a:r>
+              <a:rPr lang="ko-KR" sz="1800">
+                <a:latin typeface="맑은 고딕" charset="0"/>
+                <a:ea typeface="맑은 고딕" charset="0"/>
+              </a:rPr>
+              <a:t>ew R</a:t>
+            </a:r>
+            <a:r>
+              <a:rPr lang="ko-KR" sz="1800">
+                <a:latin typeface="맑은 고딕" charset="0"/>
+                <a:ea typeface="맑은 고딕" charset="0"/>
+              </a:rPr>
+              <a:t>e</a:t>
+            </a:r>
+            <a:r>
+              <a:rPr lang="ko-KR" sz="1800">
+                <a:latin typeface="맑은 고딕" charset="0"/>
+                <a:ea typeface="맑은 고딕" charset="0"/>
+              </a:rPr>
+              <a:t>nder Texture를 Camera의 Ta</a:t>
+            </a:r>
+            <a:r>
+              <a:rPr lang="ko-KR" sz="1800">
+                <a:latin typeface="맑은 고딕" charset="0"/>
+                <a:ea typeface="맑은 고딕" charset="0"/>
+              </a:rPr>
+              <a:t>r</a:t>
+            </a:r>
+            <a:r>
+              <a:rPr lang="ko-KR" sz="1800">
+                <a:latin typeface="맑은 고딕" charset="0"/>
+                <a:ea typeface="맑은 고딕" charset="0"/>
+              </a:rPr>
+              <a:t>get Textu</a:t>
+            </a:r>
+            <a:r>
+              <a:rPr lang="ko-KR" sz="1800">
+                <a:latin typeface="맑은 고딕" charset="0"/>
+                <a:ea typeface="맑은 고딕" charset="0"/>
+              </a:rPr>
+              <a:t>r</a:t>
+            </a:r>
+            <a:r>
+              <a:rPr lang="ko-KR" sz="1800">
+                <a:latin typeface="맑은 고딕" charset="0"/>
+                <a:ea typeface="맑은 고딕" charset="0"/>
+              </a:rPr>
+              <a:t>e에 넣어줍니다.</a:t>
             </a:r>
             <a:endParaRPr lang="ko-KR" altLang="en-US" sz="1800">
               <a:latin typeface="맑은 고딕" charset="0"/>
@@ -9292,17 +12415,17 @@
       </p:sp>
       <p:pic>
         <p:nvPicPr>
-          <p:cNvPr id="62" name="그림 42" descr="C:/Users/nwond/AppData/Roaming/PolarisOffice/ETemp/53136_9877504/fImage310531966334.png"/>
+          <p:cNvPr id="70" name="그림 15" descr="C:/Users/nwond/AppData/Roaming/PolarisOffice/ETemp/28292_18516504/fImage2052920141.png"/>
           <p:cNvPicPr>
             <a:picLocks noChangeAspect="1"/>
           </p:cNvPicPr>
           <p:nvPr/>
         </p:nvPicPr>
         <p:blipFill rotWithShape="1">
-          <a:blip r:embed="rId2" cstate="print">
+          <a:blip r:embed="rId2" cstate="hqprint">
             <a:extLst>
               <a:ext uri="{28A0092B-C50C-407E-A947-70E740481C1C}">
-                <a14:useLocalDpi xmlns:a14="http://schemas.microsoft.com/office/drawing/2010/main" val="0"/>
+                <a14:useLocalDpi xmlns:a14="http://schemas.microsoft.com/office/drawing/2010/main"/>
               </a:ext>
             </a:extLst>
           </a:blip>
@@ -9312,8 +12435,8 @@
         </p:blipFill>
         <p:spPr>
           <a:xfrm rot="0">
-            <a:off x="1241425" y="1452245"/>
-            <a:ext cx="4139565" cy="3817620"/>
+            <a:off x="1228725" y="1445260"/>
+            <a:ext cx="4152265" cy="3843020"/>
           </a:xfrm>
           <a:prstGeom prst="roundRect"/>
           <a:solidFill>
@@ -9323,7 +12446,7 @@
       </p:pic>
       <p:sp>
         <p:nvSpPr>
-          <p:cNvPr id="63" name="텍스트 상자 45"/>
+          <p:cNvPr id="71" name="텍스트 상자 16"/>
           <p:cNvSpPr txBox="1">
             <a:spLocks/>
           </p:cNvSpPr>
@@ -9331,8 +12454,8 @@
         </p:nvSpPr>
         <p:spPr>
           <a:xfrm rot="0">
-            <a:off x="6826885" y="5589905"/>
-            <a:ext cx="4114800" cy="677545"/>
+            <a:off x="1226185" y="5313680"/>
+            <a:ext cx="4155440" cy="954405"/>
           </a:xfrm>
           <a:prstGeom prst="rect"/>
           <a:noFill/>
@@ -9359,17 +12482,7 @@
                 <a:latin typeface="맑은 고딕" charset="0"/>
                 <a:ea typeface="맑은 고딕" charset="0"/>
               </a:rPr>
-              <a:t>1</a:t>
-            </a:r>
-            <a:r>
-              <a:rPr lang="ko-KR" sz="2000" b="1">
-                <a:solidFill>
-                  <a:srgbClr val="0611F2"/>
-                </a:solidFill>
-                <a:latin typeface="맑은 고딕" charset="0"/>
-                <a:ea typeface="맑은 고딕" charset="0"/>
-              </a:rPr>
-              <a:t>9</a:t>
+              <a:t>2</a:t>
             </a:r>
             <a:r>
               <a:rPr sz="2000" b="1">
@@ -9379,6 +12492,16 @@
                 <a:latin typeface="맑은 고딕" charset="0"/>
                 <a:ea typeface="맑은 고딕" charset="0"/>
               </a:rPr>
+              <a:t>0</a:t>
+            </a:r>
+            <a:r>
+              <a:rPr sz="2000" b="1">
+                <a:solidFill>
+                  <a:srgbClr val="0611F2"/>
+                </a:solidFill>
+                <a:latin typeface="맑은 고딕" charset="0"/>
+                <a:ea typeface="맑은 고딕" charset="0"/>
+              </a:rPr>
               <a:t>. </a:t>
             </a:r>
             <a:r>
@@ -9386,14 +12509,35 @@
                 <a:latin typeface="맑은 고딕" charset="0"/>
                 <a:ea typeface="맑은 고딕" charset="0"/>
               </a:rPr>
-              <a:t>그다음으로 </a:t>
-            </a:r>
-            <a:r>
-              <a:rPr lang="ko-KR" sz="1800">
-                <a:latin typeface="맑은 고딕" charset="0"/>
-                <a:ea typeface="맑은 고딕" charset="0"/>
-              </a:rPr>
-              <a:t>Camera 오브젝트에 있는 Audio Listener</a:t>
+              <a:t>그</a:t>
+            </a:r>
+            <a:r>
+              <a:rPr lang="ko-KR" sz="1800">
+                <a:latin typeface="맑은 고딕" charset="0"/>
+                <a:ea typeface="맑은 고딕" charset="0"/>
+              </a:rPr>
+              <a:t>러고 </a:t>
+            </a:r>
+            <a:r>
+              <a:rPr lang="ko-KR" sz="1800">
+                <a:latin typeface="맑은 고딕" charset="0"/>
+                <a:ea typeface="맑은 고딕" charset="0"/>
+              </a:rPr>
+              <a:t>나서 </a:t>
+            </a:r>
+            <a:r>
+              <a:rPr lang="ko-KR" sz="1800">
+                <a:latin typeface="맑은 고딕" charset="0"/>
+                <a:ea typeface="맑은 고딕" charset="0"/>
+              </a:rPr>
+              <a:t>M</a:t>
+            </a:r>
+            <a:r>
+              <a:rPr lang="ko-KR" sz="1800">
+                <a:latin typeface="맑은 고딕" charset="0"/>
+                <a:ea typeface="맑은 고딕" charset="0"/>
+              </a:rPr>
+              <a:t>onster 오브젝트</a:t>
             </a:r>
             <a:r>
               <a:rPr lang="ko-KR" sz="1800">
@@ -9407,14 +12551,49 @@
                 <a:latin typeface="맑은 고딕" charset="0"/>
                 <a:ea typeface="맑은 고딕" charset="0"/>
               </a:rPr>
-              <a:t>삭</a:t>
-            </a:r>
-            <a:r>
-              <a:rPr lang="ko-KR" sz="1800">
-                <a:latin typeface="맑은 고딕" charset="0"/>
-                <a:ea typeface="맑은 고딕" charset="0"/>
-              </a:rPr>
-              <a:t>제합니다.</a:t>
+              <a:t>선택한 다음 </a:t>
+            </a:r>
+            <a:r>
+              <a:rPr lang="ko-KR" sz="1800">
+                <a:latin typeface="맑은 고딕" charset="0"/>
+                <a:ea typeface="맑은 고딕" charset="0"/>
+              </a:rPr>
+              <a:t>W</a:t>
+            </a:r>
+            <a:r>
+              <a:rPr lang="ko-KR" sz="1800">
+                <a:latin typeface="맑은 고딕" charset="0"/>
+                <a:ea typeface="맑은 고딕" charset="0"/>
+              </a:rPr>
+              <a:t>i</a:t>
+            </a:r>
+            <a:r>
+              <a:rPr lang="ko-KR" sz="1800">
+                <a:latin typeface="맑은 고딕" charset="0"/>
+                <a:ea typeface="맑은 고딕" charset="0"/>
+              </a:rPr>
+              <a:t>n</a:t>
+            </a:r>
+            <a:r>
+              <a:rPr lang="ko-KR" sz="1800">
+                <a:latin typeface="맑은 고딕" charset="0"/>
+                <a:ea typeface="맑은 고딕" charset="0"/>
+              </a:rPr>
+              <a:t>dow에 Animation</a:t>
+            </a:r>
+            <a:r>
+              <a:rPr lang="ko-KR" sz="1800">
+                <a:latin typeface="맑은 고딕" charset="0"/>
+                <a:ea typeface="맑은 고딕" charset="0"/>
+              </a:rPr>
+              <a:t>을</a:t>
+            </a:r>
+            <a:r>
+              <a:rPr sz="1800">
+                <a:latin typeface="맑은 고딕" charset="0"/>
+                <a:ea typeface="맑은 고딕" charset="0"/>
+              </a:rPr>
+              <a:t> 선택하고 Animation을 생성합니다.</a:t>
             </a:r>
             <a:endParaRPr lang="ko-KR" altLang="en-US" sz="1800">
               <a:latin typeface="맑은 고딕" charset="0"/>
@@ -9423,153 +12602,9 @@
           </a:p>
         </p:txBody>
       </p:sp>
-      <p:sp>
-        <p:nvSpPr>
-          <p:cNvPr id="64" name="텍스트 상자 46"/>
-          <p:cNvSpPr txBox="1">
-            <a:spLocks/>
-          </p:cNvSpPr>
-          <p:nvPr/>
-        </p:nvSpPr>
-        <p:spPr>
-          <a:xfrm rot="0">
-            <a:off x="6820535" y="3206750"/>
-            <a:ext cx="4139565" cy="677545"/>
-          </a:xfrm>
-          <a:prstGeom prst="rect"/>
-          <a:noFill/>
-          <a:ln w="0">
-            <a:noFill/>
-            <a:prstDash/>
-          </a:ln>
-        </p:spPr>
-        <p:txBody>
-          <a:bodyPr wrap="square" lIns="89535" tIns="46355" rIns="89535" bIns="46355" numCol="1" vert="horz" anchor="t">
-            <a:spAutoFit/>
-          </a:bodyPr>
-          <a:lstStyle/>
-          <a:p>
-            <a:pPr marL="0" indent="0" rtl="0" algn="l" defTabSz="914400" eaLnBrk="1" latinLnBrk="0" hangingPunct="1">
-              <a:buFontTx/>
-              <a:buNone/>
-            </a:pPr>
-            <a:r>
-              <a:rPr sz="2000" b="1">
-                <a:solidFill>
-                  <a:srgbClr val="0611F2"/>
-                </a:solidFill>
-                <a:latin typeface="맑은 고딕" charset="0"/>
-                <a:ea typeface="맑은 고딕" charset="0"/>
-              </a:rPr>
-              <a:t>1</a:t>
-            </a:r>
-            <a:r>
-              <a:rPr lang="ko-KR" sz="2000" b="1">
-                <a:solidFill>
-                  <a:srgbClr val="0611F2"/>
-                </a:solidFill>
-                <a:latin typeface="맑은 고딕" charset="0"/>
-                <a:ea typeface="맑은 고딕" charset="0"/>
-              </a:rPr>
-              <a:t>8</a:t>
-            </a:r>
-            <a:r>
-              <a:rPr sz="2000" b="1">
-                <a:solidFill>
-                  <a:srgbClr val="0611F2"/>
-                </a:solidFill>
-                <a:latin typeface="맑은 고딕" charset="0"/>
-                <a:ea typeface="맑은 고딕" charset="0"/>
-              </a:rPr>
-              <a:t>. </a:t>
-            </a:r>
-            <a:r>
-              <a:rPr lang="ko-KR" sz="1800">
-                <a:latin typeface="맑은 고딕" charset="0"/>
-                <a:ea typeface="맑은 고딕" charset="0"/>
-              </a:rPr>
-              <a:t>그런 </a:t>
-            </a:r>
-            <a:r>
-              <a:rPr lang="ko-KR" sz="1800">
-                <a:latin typeface="맑은 고딕" charset="0"/>
-                <a:ea typeface="맑은 고딕" charset="0"/>
-              </a:rPr>
-              <a:t>다음</a:t>
-            </a:r>
-            <a:r>
-              <a:rPr lang="ko-KR" sz="1800">
-                <a:latin typeface="맑은 고딕" charset="0"/>
-                <a:ea typeface="맑은 고딕" charset="0"/>
-              </a:rPr>
-              <a:t> </a:t>
-            </a:r>
-            <a:r>
-              <a:rPr lang="ko-KR" sz="1800">
-                <a:latin typeface="맑은 고딕" charset="0"/>
-                <a:ea typeface="맑은 고딕" charset="0"/>
-              </a:rPr>
-              <a:t>Re</a:t>
-            </a:r>
-            <a:r>
-              <a:rPr lang="ko-KR" sz="1800">
-                <a:latin typeface="맑은 고딕" charset="0"/>
-                <a:ea typeface="맑은 고딕" charset="0"/>
-              </a:rPr>
-              <a:t>nder T</a:t>
-            </a:r>
-            <a:r>
-              <a:rPr lang="ko-KR" sz="1800">
-                <a:latin typeface="맑은 고딕" charset="0"/>
-                <a:ea typeface="맑은 고딕" charset="0"/>
-              </a:rPr>
-              <a:t>e</a:t>
-            </a:r>
-            <a:r>
-              <a:rPr lang="ko-KR" sz="1800">
-                <a:latin typeface="맑은 고딕" charset="0"/>
-                <a:ea typeface="맑은 고딕" charset="0"/>
-              </a:rPr>
-              <a:t>x</a:t>
-            </a:r>
-            <a:r>
-              <a:rPr lang="ko-KR" sz="1800">
-                <a:latin typeface="맑은 고딕" charset="0"/>
-                <a:ea typeface="맑은 고딕" charset="0"/>
-              </a:rPr>
-              <a:t>t</a:t>
-            </a:r>
-            <a:r>
-              <a:rPr lang="ko-KR" sz="1800">
-                <a:latin typeface="맑은 고딕" charset="0"/>
-                <a:ea typeface="맑은 고딕" charset="0"/>
-              </a:rPr>
-              <a:t>ure </a:t>
-            </a:r>
-            <a:r>
-              <a:rPr lang="ko-KR" sz="1800">
-                <a:latin typeface="맑은 고딕" charset="0"/>
-                <a:ea typeface="맑은 고딕" charset="0"/>
-              </a:rPr>
-              <a:t>오브젝트의 </a:t>
-            </a:r>
-            <a:r>
-              <a:rPr lang="ko-KR" sz="1800">
-                <a:latin typeface="맑은 고딕" charset="0"/>
-                <a:ea typeface="맑은 고딕" charset="0"/>
-              </a:rPr>
-              <a:t>크기를 설정합니다.</a:t>
-            </a:r>
-            <a:endParaRPr lang="ko-KR" altLang="en-US" sz="1800">
-              <a:latin typeface="맑은 고딕" charset="0"/>
-              <a:ea typeface="맑은 고딕" charset="0"/>
-            </a:endParaRPr>
-          </a:p>
-        </p:txBody>
-      </p:sp>
       <p:pic>
         <p:nvPicPr>
-          <p:cNvPr id="65" name="그림 48" descr="C:/Users/nwond/AppData/Roaming/PolarisOffice/ETemp/53136_9877504/fImage111812006500.png"/>
+          <p:cNvPr id="72" name="그림 17" descr="C:/Users/nwond/AppData/Roaming/PolarisOffice/ETemp/28292_18516504/fImage354382038467.png"/>
           <p:cNvPicPr>
             <a:picLocks noChangeAspect="1"/>
           </p:cNvPicPr>
@@ -9589,8 +12624,8 @@
         </p:blipFill>
         <p:spPr>
           <a:xfrm rot="0">
-            <a:off x="6812915" y="1446530"/>
-            <a:ext cx="4135120" cy="1756410"/>
+            <a:off x="6826885" y="1440180"/>
+            <a:ext cx="4114800" cy="3147060"/>
           </a:xfrm>
           <a:prstGeom prst="roundRect"/>
           <a:solidFill>
@@ -9600,7 +12635,7 @@
       </p:pic>
       <p:pic>
         <p:nvPicPr>
-          <p:cNvPr id="66" name="그림 59" descr="C:/Users/nwond/AppData/Roaming/PolarisOffice/ETemp/53136_9877504/fImage136962059169.png"/>
+          <p:cNvPr id="73" name="그림 18" descr="C:/Users/nwond/AppData/Roaming/PolarisOffice/ETemp/28292_18516504/fImage40342046334.png"/>
           <p:cNvPicPr>
             <a:picLocks noChangeAspect="1"/>
           </p:cNvPicPr>
@@ -9620,8 +12655,8 @@
         </p:blipFill>
         <p:spPr>
           <a:xfrm rot="0">
-            <a:off x="6820535" y="3897630"/>
-            <a:ext cx="4127500" cy="1688465"/>
+            <a:off x="6820535" y="4648200"/>
+            <a:ext cx="4121150" cy="702945"/>
           </a:xfrm>
           <a:prstGeom prst="roundRect"/>
           <a:solidFill>
@@ -9629,6 +12664,39 @@
           </a:solidFill>
         </p:spPr>
       </p:pic>
+      <p:cxnSp>
+        <p:nvCxnSpPr>
+          <p:cNvPr id="74" name="도형 19"/>
+          <p:cNvCxnSpPr/>
+          <p:nvPr/>
+        </p:nvCxnSpPr>
+        <p:spPr>
+          <a:xfrm rot="0" flipV="1">
+            <a:off x="8973820" y="3667760"/>
+            <a:ext cx="1850390" cy="1391285"/>
+          </a:xfrm>
+          <a:prstGeom prst="straightConnector1"/>
+          <a:ln w="6350" cap="flat" cmpd="sng">
+            <a:prstDash/>
+            <a:headEnd type="none" w="med" len="med"/>
+            <a:tailEnd type="triangle" w="med" len="med"/>
+          </a:ln>
+        </p:spPr>
+        <p:style>
+          <a:lnRef idx="1">
+            <a:schemeClr val="accent1"/>
+          </a:lnRef>
+          <a:fillRef idx="0">
+            <a:schemeClr val="accent1"/>
+          </a:fillRef>
+          <a:effectRef idx="0">
+            <a:schemeClr val="accent1"/>
+          </a:effectRef>
+          <a:fontRef idx="minor">
+            <a:schemeClr val="tx1"/>
+          </a:fontRef>
+        </p:style>
+      </p:cxnSp>
     </p:spTree>
   </p:cSld>
   <p:clrMapOvr>
